--- a/study/발표자료/(이승건)250220_밑딥2_chap2-5.pptx
+++ b/study/발표자료/(이승건)250220_밑딥2_chap2-5.pptx
@@ -5,7 +5,7 @@
     <p:sldMasterId id="2147483675" r:id="rId1"/>
   </p:sldMasterIdLst>
   <p:notesMasterIdLst>
-    <p:notesMasterId r:id="rId31"/>
+    <p:notesMasterId r:id="rId33"/>
   </p:notesMasterIdLst>
   <p:sldIdLst>
     <p:sldId id="256" r:id="rId2"/>
@@ -37,41 +37,43 @@
     <p:sldId id="313" r:id="rId28"/>
     <p:sldId id="321" r:id="rId29"/>
     <p:sldId id="314" r:id="rId30"/>
+    <p:sldId id="322" r:id="rId31"/>
+    <p:sldId id="323" r:id="rId32"/>
   </p:sldIdLst>
   <p:sldSz cx="9144000" cy="5143500" type="screen16x9"/>
   <p:notesSz cx="6858000" cy="9144000"/>
   <p:embeddedFontLst>
     <p:embeddedFont>
       <p:font typeface="Cambria Math" panose="02040503050406030204" pitchFamily="18" charset="0"/>
-      <p:regular r:id="rId32"/>
+      <p:regular r:id="rId34"/>
     </p:embeddedFont>
     <p:embeddedFont>
       <p:font typeface="DM Sans" pitchFamily="2" charset="0"/>
-      <p:regular r:id="rId33"/>
-      <p:bold r:id="rId34"/>
-      <p:italic r:id="rId35"/>
-      <p:boldItalic r:id="rId36"/>
+      <p:regular r:id="rId35"/>
+      <p:bold r:id="rId36"/>
+      <p:italic r:id="rId37"/>
+      <p:boldItalic r:id="rId38"/>
     </p:embeddedFont>
     <p:embeddedFont>
       <p:font typeface="Noto Sans" panose="020B0502040504020204" pitchFamily="34" charset="0"/>
-      <p:regular r:id="rId37"/>
-      <p:bold r:id="rId38"/>
-      <p:italic r:id="rId39"/>
-      <p:boldItalic r:id="rId40"/>
+      <p:regular r:id="rId39"/>
+      <p:bold r:id="rId40"/>
+      <p:italic r:id="rId41"/>
+      <p:boldItalic r:id="rId42"/>
     </p:embeddedFont>
     <p:embeddedFont>
       <p:font typeface="Playfair Display Medium" panose="020B0600000101010101" charset="0"/>
-      <p:regular r:id="rId41"/>
-      <p:bold r:id="rId42"/>
-      <p:italic r:id="rId43"/>
-      <p:boldItalic r:id="rId44"/>
+      <p:regular r:id="rId43"/>
+      <p:bold r:id="rId44"/>
+      <p:italic r:id="rId45"/>
+      <p:boldItalic r:id="rId46"/>
     </p:embeddedFont>
     <p:embeddedFont>
       <p:font typeface="Raleway" pitchFamily="2" charset="0"/>
-      <p:regular r:id="rId45"/>
-      <p:bold r:id="rId46"/>
-      <p:italic r:id="rId47"/>
-      <p:boldItalic r:id="rId48"/>
+      <p:regular r:id="rId47"/>
+      <p:bold r:id="rId48"/>
+      <p:italic r:id="rId49"/>
+      <p:boldItalic r:id="rId50"/>
     </p:embeddedFont>
   </p:embeddedFontLst>
   <p:defaultTextStyle>
@@ -3347,6 +3349,41 @@
               </a:spcAft>
               <a:buNone/>
             </a:pPr>
+            <a:r>
+              <a:rPr lang="ko-KR" altLang="en-US" sz="1100" dirty="0" err="1">
+                <a:latin typeface="Noto Sans" panose="020B0502040504020204" pitchFamily="34" charset="0"/>
+                <a:cs typeface="Noto Sans" panose="020B0502040504020204" pitchFamily="34" charset="0"/>
+              </a:rPr>
+              <a:t>퍼플렉서티</a:t>
+            </a:r>
+            <a:r>
+              <a:rPr lang="ko-KR" altLang="en-US" sz="1100" dirty="0">
+                <a:latin typeface="Noto Sans" panose="020B0502040504020204" pitchFamily="34" charset="0"/>
+                <a:cs typeface="Noto Sans" panose="020B0502040504020204" pitchFamily="34" charset="0"/>
+              </a:rPr>
+              <a:t> 값이 낮더라도 문맥적 품질 보장 </a:t>
+            </a:r>
+            <a:r>
+              <a:rPr lang="en-US" altLang="ko-KR" sz="1100" dirty="0">
+                <a:latin typeface="Noto Sans" panose="020B0502040504020204" pitchFamily="34" charset="0"/>
+                <a:cs typeface="Noto Sans" panose="020B0502040504020204" pitchFamily="34" charset="0"/>
+              </a:rPr>
+              <a:t>x, </a:t>
+            </a:r>
+            <a:r>
+              <a:rPr lang="ko-KR" altLang="en-US" sz="1100" dirty="0" err="1">
+                <a:latin typeface="Noto Sans" panose="020B0502040504020204" pitchFamily="34" charset="0"/>
+                <a:cs typeface="Noto Sans" panose="020B0502040504020204" pitchFamily="34" charset="0"/>
+              </a:rPr>
+              <a:t>과적합</a:t>
+            </a:r>
+            <a:r>
+              <a:rPr lang="ko-KR" altLang="en-US" sz="1100" dirty="0">
+                <a:latin typeface="Noto Sans" panose="020B0502040504020204" pitchFamily="34" charset="0"/>
+                <a:cs typeface="Noto Sans" panose="020B0502040504020204" pitchFamily="34" charset="0"/>
+              </a:rPr>
+              <a:t> 가능성</a:t>
+            </a:r>
             <a:endParaRPr dirty="0"/>
           </a:p>
         </p:txBody>
@@ -3709,6 +3746,330 @@
         </p:txBody>
       </p:sp>
     </p:spTree>
+  </p:cSld>
+  <p:clrMapOvr>
+    <a:masterClrMapping/>
+  </p:clrMapOvr>
+</p:notes>
+</file>
+
+<file path=ppt/notesSlides/notesSlide30.xml><?xml version="1.0" encoding="utf-8"?>
+<p:notes xmlns:a="http://schemas.openxmlformats.org/drawingml/2006/main" xmlns:r="http://schemas.openxmlformats.org/officeDocument/2006/relationships" xmlns:p="http://schemas.openxmlformats.org/presentationml/2006/main" showMasterSp="0" showMasterPhAnim="0">
+  <p:cSld>
+    <p:spTree>
+      <p:nvGrpSpPr>
+        <p:cNvPr id="1" name="Shape 203">
+          <a:extLst>
+            <a:ext uri="{FF2B5EF4-FFF2-40B4-BE49-F238E27FC236}">
+              <a16:creationId xmlns:a16="http://schemas.microsoft.com/office/drawing/2014/main" id="{6276A5CB-DC66-67EB-C28A-E1C5CCC89513}"/>
+            </a:ext>
+          </a:extLst>
+        </p:cNvPr>
+        <p:cNvGrpSpPr/>
+        <p:nvPr/>
+      </p:nvGrpSpPr>
+      <p:grpSpPr>
+        <a:xfrm>
+          <a:off x="0" y="0"/>
+          <a:ext cx="0" cy="0"/>
+          <a:chOff x="0" y="0"/>
+          <a:chExt cx="0" cy="0"/>
+        </a:xfrm>
+      </p:grpSpPr>
+      <p:sp>
+        <p:nvSpPr>
+          <p:cNvPr id="204" name="Google Shape;204;g54dda1946d_6_322:notes">
+            <a:extLst>
+              <a:ext uri="{FF2B5EF4-FFF2-40B4-BE49-F238E27FC236}">
+                <a16:creationId xmlns:a16="http://schemas.microsoft.com/office/drawing/2014/main" id="{6866467B-99F0-E2E2-0105-60DA48C8BCC8}"/>
+              </a:ext>
+            </a:extLst>
+          </p:cNvPr>
+          <p:cNvSpPr>
+            <a:spLocks noGrp="1" noRot="1" noChangeAspect="1"/>
+          </p:cNvSpPr>
+          <p:nvPr>
+            <p:ph type="sldImg" idx="2"/>
+          </p:nvPr>
+        </p:nvSpPr>
+        <p:spPr>
+          <a:xfrm>
+            <a:off x="381000" y="685800"/>
+            <a:ext cx="6096000" cy="3429000"/>
+          </a:xfrm>
+          <a:custGeom>
+            <a:avLst/>
+            <a:gdLst/>
+            <a:ahLst/>
+            <a:cxnLst/>
+            <a:rect l="l" t="t" r="r" b="b"/>
+            <a:pathLst>
+              <a:path w="120000" h="120000" extrusionOk="0">
+                <a:moveTo>
+                  <a:pt x="0" y="0"/>
+                </a:moveTo>
+                <a:lnTo>
+                  <a:pt x="120000" y="0"/>
+                </a:lnTo>
+                <a:lnTo>
+                  <a:pt x="120000" y="120000"/>
+                </a:lnTo>
+                <a:lnTo>
+                  <a:pt x="0" y="120000"/>
+                </a:lnTo>
+                <a:close/>
+              </a:path>
+            </a:pathLst>
+          </a:custGeom>
+        </p:spPr>
+      </p:sp>
+      <p:sp>
+        <p:nvSpPr>
+          <p:cNvPr id="205" name="Google Shape;205;g54dda1946d_6_322:notes">
+            <a:extLst>
+              <a:ext uri="{FF2B5EF4-FFF2-40B4-BE49-F238E27FC236}">
+                <a16:creationId xmlns:a16="http://schemas.microsoft.com/office/drawing/2014/main" id="{5B919E84-35E4-CC22-F4B6-76EACE3D3D28}"/>
+              </a:ext>
+            </a:extLst>
+          </p:cNvPr>
+          <p:cNvSpPr txBox="1">
+            <a:spLocks noGrp="1"/>
+          </p:cNvSpPr>
+          <p:nvPr>
+            <p:ph type="body" idx="1"/>
+          </p:nvPr>
+        </p:nvSpPr>
+        <p:spPr>
+          <a:xfrm>
+            <a:off x="685800" y="4343400"/>
+            <a:ext cx="5486400" cy="4114800"/>
+          </a:xfrm>
+          <a:prstGeom prst="rect">
+            <a:avLst/>
+          </a:prstGeom>
+        </p:spPr>
+        <p:txBody>
+          <a:bodyPr spcFirstLastPara="1" wrap="square" lIns="91425" tIns="91425" rIns="91425" bIns="91425" anchor="t" anchorCtr="0">
+            <a:noAutofit/>
+          </a:bodyPr>
+          <a:lstStyle/>
+          <a:p>
+            <a:pPr marL="0" lvl="0" indent="0" algn="l" rtl="0">
+              <a:spcBef>
+                <a:spcPts val="0"/>
+              </a:spcBef>
+              <a:spcAft>
+                <a:spcPts val="0"/>
+              </a:spcAft>
+              <a:buNone/>
+            </a:pPr>
+            <a:r>
+              <a:rPr lang="ko-KR" altLang="en-US" sz="1100" dirty="0" err="1">
+                <a:latin typeface="Noto Sans" panose="020B0502040504020204" pitchFamily="34" charset="0"/>
+                <a:cs typeface="Noto Sans" panose="020B0502040504020204" pitchFamily="34" charset="0"/>
+              </a:rPr>
+              <a:t>퍼플렉서티</a:t>
+            </a:r>
+            <a:r>
+              <a:rPr lang="ko-KR" altLang="en-US" sz="1100" dirty="0">
+                <a:latin typeface="Noto Sans" panose="020B0502040504020204" pitchFamily="34" charset="0"/>
+                <a:cs typeface="Noto Sans" panose="020B0502040504020204" pitchFamily="34" charset="0"/>
+              </a:rPr>
+              <a:t> 값이 낮더라도 문맥적 품질 보장 </a:t>
+            </a:r>
+            <a:r>
+              <a:rPr lang="en-US" altLang="ko-KR" sz="1100" dirty="0">
+                <a:latin typeface="Noto Sans" panose="020B0502040504020204" pitchFamily="34" charset="0"/>
+                <a:cs typeface="Noto Sans" panose="020B0502040504020204" pitchFamily="34" charset="0"/>
+              </a:rPr>
+              <a:t>x, </a:t>
+            </a:r>
+            <a:r>
+              <a:rPr lang="ko-KR" altLang="en-US" sz="1100" dirty="0" err="1">
+                <a:latin typeface="Noto Sans" panose="020B0502040504020204" pitchFamily="34" charset="0"/>
+                <a:cs typeface="Noto Sans" panose="020B0502040504020204" pitchFamily="34" charset="0"/>
+              </a:rPr>
+              <a:t>과적합</a:t>
+            </a:r>
+            <a:r>
+              <a:rPr lang="ko-KR" altLang="en-US" sz="1100" dirty="0">
+                <a:latin typeface="Noto Sans" panose="020B0502040504020204" pitchFamily="34" charset="0"/>
+                <a:cs typeface="Noto Sans" panose="020B0502040504020204" pitchFamily="34" charset="0"/>
+              </a:rPr>
+              <a:t> 가능성</a:t>
+            </a:r>
+            <a:endParaRPr dirty="0"/>
+          </a:p>
+        </p:txBody>
+      </p:sp>
+    </p:spTree>
+    <p:extLst>
+      <p:ext uri="{BB962C8B-B14F-4D97-AF65-F5344CB8AC3E}">
+        <p14:creationId xmlns:p14="http://schemas.microsoft.com/office/powerpoint/2010/main" val="2448524392"/>
+      </p:ext>
+    </p:extLst>
+  </p:cSld>
+  <p:clrMapOvr>
+    <a:masterClrMapping/>
+  </p:clrMapOvr>
+</p:notes>
+</file>
+
+<file path=ppt/notesSlides/notesSlide31.xml><?xml version="1.0" encoding="utf-8"?>
+<p:notes xmlns:a="http://schemas.openxmlformats.org/drawingml/2006/main" xmlns:r="http://schemas.openxmlformats.org/officeDocument/2006/relationships" xmlns:p="http://schemas.openxmlformats.org/presentationml/2006/main" showMasterSp="0" showMasterPhAnim="0">
+  <p:cSld>
+    <p:spTree>
+      <p:nvGrpSpPr>
+        <p:cNvPr id="1" name="Shape 203">
+          <a:extLst>
+            <a:ext uri="{FF2B5EF4-FFF2-40B4-BE49-F238E27FC236}">
+              <a16:creationId xmlns:a16="http://schemas.microsoft.com/office/drawing/2014/main" id="{7A72D012-5860-BFA0-C0BB-06F6571CE8D6}"/>
+            </a:ext>
+          </a:extLst>
+        </p:cNvPr>
+        <p:cNvGrpSpPr/>
+        <p:nvPr/>
+      </p:nvGrpSpPr>
+      <p:grpSpPr>
+        <a:xfrm>
+          <a:off x="0" y="0"/>
+          <a:ext cx="0" cy="0"/>
+          <a:chOff x="0" y="0"/>
+          <a:chExt cx="0" cy="0"/>
+        </a:xfrm>
+      </p:grpSpPr>
+      <p:sp>
+        <p:nvSpPr>
+          <p:cNvPr id="204" name="Google Shape;204;g54dda1946d_6_322:notes">
+            <a:extLst>
+              <a:ext uri="{FF2B5EF4-FFF2-40B4-BE49-F238E27FC236}">
+                <a16:creationId xmlns:a16="http://schemas.microsoft.com/office/drawing/2014/main" id="{1EB7C329-39DC-A6DF-910C-F92D17E0C5E2}"/>
+              </a:ext>
+            </a:extLst>
+          </p:cNvPr>
+          <p:cNvSpPr>
+            <a:spLocks noGrp="1" noRot="1" noChangeAspect="1"/>
+          </p:cNvSpPr>
+          <p:nvPr>
+            <p:ph type="sldImg" idx="2"/>
+          </p:nvPr>
+        </p:nvSpPr>
+        <p:spPr>
+          <a:xfrm>
+            <a:off x="381000" y="685800"/>
+            <a:ext cx="6096000" cy="3429000"/>
+          </a:xfrm>
+          <a:custGeom>
+            <a:avLst/>
+            <a:gdLst/>
+            <a:ahLst/>
+            <a:cxnLst/>
+            <a:rect l="l" t="t" r="r" b="b"/>
+            <a:pathLst>
+              <a:path w="120000" h="120000" extrusionOk="0">
+                <a:moveTo>
+                  <a:pt x="0" y="0"/>
+                </a:moveTo>
+                <a:lnTo>
+                  <a:pt x="120000" y="0"/>
+                </a:lnTo>
+                <a:lnTo>
+                  <a:pt x="120000" y="120000"/>
+                </a:lnTo>
+                <a:lnTo>
+                  <a:pt x="0" y="120000"/>
+                </a:lnTo>
+                <a:close/>
+              </a:path>
+            </a:pathLst>
+          </a:custGeom>
+        </p:spPr>
+      </p:sp>
+      <p:sp>
+        <p:nvSpPr>
+          <p:cNvPr id="205" name="Google Shape;205;g54dda1946d_6_322:notes">
+            <a:extLst>
+              <a:ext uri="{FF2B5EF4-FFF2-40B4-BE49-F238E27FC236}">
+                <a16:creationId xmlns:a16="http://schemas.microsoft.com/office/drawing/2014/main" id="{77A46BA6-71F3-E231-0906-531115DC3CA5}"/>
+              </a:ext>
+            </a:extLst>
+          </p:cNvPr>
+          <p:cNvSpPr txBox="1">
+            <a:spLocks noGrp="1"/>
+          </p:cNvSpPr>
+          <p:nvPr>
+            <p:ph type="body" idx="1"/>
+          </p:nvPr>
+        </p:nvSpPr>
+        <p:spPr>
+          <a:xfrm>
+            <a:off x="685800" y="4343400"/>
+            <a:ext cx="5486400" cy="4114800"/>
+          </a:xfrm>
+          <a:prstGeom prst="rect">
+            <a:avLst/>
+          </a:prstGeom>
+        </p:spPr>
+        <p:txBody>
+          <a:bodyPr spcFirstLastPara="1" wrap="square" lIns="91425" tIns="91425" rIns="91425" bIns="91425" anchor="t" anchorCtr="0">
+            <a:noAutofit/>
+          </a:bodyPr>
+          <a:lstStyle/>
+          <a:p>
+            <a:pPr marL="0" lvl="0" indent="0" algn="l" rtl="0">
+              <a:spcBef>
+                <a:spcPts val="0"/>
+              </a:spcBef>
+              <a:spcAft>
+                <a:spcPts val="0"/>
+              </a:spcAft>
+              <a:buNone/>
+            </a:pPr>
+            <a:r>
+              <a:rPr lang="ko-KR" altLang="en-US" sz="1100" dirty="0" err="1">
+                <a:latin typeface="Noto Sans" panose="020B0502040504020204" pitchFamily="34" charset="0"/>
+                <a:cs typeface="Noto Sans" panose="020B0502040504020204" pitchFamily="34" charset="0"/>
+              </a:rPr>
+              <a:t>퍼플렉서티</a:t>
+            </a:r>
+            <a:r>
+              <a:rPr lang="ko-KR" altLang="en-US" sz="1100" dirty="0">
+                <a:latin typeface="Noto Sans" panose="020B0502040504020204" pitchFamily="34" charset="0"/>
+                <a:cs typeface="Noto Sans" panose="020B0502040504020204" pitchFamily="34" charset="0"/>
+              </a:rPr>
+              <a:t> 값이 낮더라도 문맥적 품질 보장 </a:t>
+            </a:r>
+            <a:r>
+              <a:rPr lang="en-US" altLang="ko-KR" sz="1100" dirty="0">
+                <a:latin typeface="Noto Sans" panose="020B0502040504020204" pitchFamily="34" charset="0"/>
+                <a:cs typeface="Noto Sans" panose="020B0502040504020204" pitchFamily="34" charset="0"/>
+              </a:rPr>
+              <a:t>x, </a:t>
+            </a:r>
+            <a:r>
+              <a:rPr lang="ko-KR" altLang="en-US" sz="1100" dirty="0" err="1">
+                <a:latin typeface="Noto Sans" panose="020B0502040504020204" pitchFamily="34" charset="0"/>
+                <a:cs typeface="Noto Sans" panose="020B0502040504020204" pitchFamily="34" charset="0"/>
+              </a:rPr>
+              <a:t>과적합</a:t>
+            </a:r>
+            <a:r>
+              <a:rPr lang="ko-KR" altLang="en-US" sz="1100" dirty="0">
+                <a:latin typeface="Noto Sans" panose="020B0502040504020204" pitchFamily="34" charset="0"/>
+                <a:cs typeface="Noto Sans" panose="020B0502040504020204" pitchFamily="34" charset="0"/>
+              </a:rPr>
+              <a:t> 가능성</a:t>
+            </a:r>
+            <a:endParaRPr dirty="0"/>
+          </a:p>
+        </p:txBody>
+      </p:sp>
+    </p:spTree>
+    <p:extLst>
+      <p:ext uri="{BB962C8B-B14F-4D97-AF65-F5344CB8AC3E}">
+        <p14:creationId xmlns:p14="http://schemas.microsoft.com/office/powerpoint/2010/main" val="1185135114"/>
+      </p:ext>
+    </p:extLst>
   </p:cSld>
   <p:clrMapOvr>
     <a:masterClrMapping/>
@@ -11361,8 +11722,8 @@
         </p:nvCxnSpPr>
         <p:spPr>
           <a:xfrm>
-            <a:off x="2364169" y="3953214"/>
-            <a:ext cx="0" cy="112166"/>
+            <a:off x="2373694" y="3934162"/>
+            <a:ext cx="0" cy="164953"/>
           </a:xfrm>
           <a:prstGeom prst="line">
             <a:avLst/>
@@ -20090,8 +20451,8 @@
         </p:blipFill>
         <p:spPr>
           <a:xfrm>
-            <a:off x="1510771" y="2527406"/>
-            <a:ext cx="6122457" cy="1096766"/>
+            <a:off x="1390453" y="2721911"/>
+            <a:ext cx="5975954" cy="1070521"/>
           </a:xfrm>
           <a:prstGeom prst="rect">
             <a:avLst/>
@@ -20120,7 +20481,7 @@
         </p:blipFill>
         <p:spPr>
           <a:xfrm>
-            <a:off x="4864001" y="1058776"/>
+            <a:off x="5044476" y="1251284"/>
             <a:ext cx="1893933" cy="555828"/>
           </a:xfrm>
           <a:prstGeom prst="rect">
@@ -20150,7 +20511,7 @@
         </p:blipFill>
         <p:spPr>
           <a:xfrm>
-            <a:off x="5021651" y="1740150"/>
+            <a:off x="5202126" y="1932658"/>
             <a:ext cx="1578633" cy="374784"/>
           </a:xfrm>
           <a:prstGeom prst="rect">
@@ -20172,8 +20533,8 @@
         </p:nvSpPr>
         <p:spPr>
           <a:xfrm>
-            <a:off x="1421433" y="3606781"/>
-            <a:ext cx="3913048" cy="430887"/>
+            <a:off x="1390454" y="3676707"/>
+            <a:ext cx="3913048" cy="400110"/>
           </a:xfrm>
           <a:prstGeom prst="rect">
             <a:avLst/>
@@ -20187,40 +20548,40 @@
           <a:lstStyle/>
           <a:p>
             <a:r>
-              <a:rPr lang="ko-KR" altLang="en-US" sz="1100" dirty="0"/>
+              <a:rPr lang="ko-KR" altLang="en-US" sz="1000" dirty="0"/>
               <a:t>모델 </a:t>
             </a:r>
             <a:r>
-              <a:rPr lang="en-US" altLang="ko-KR" sz="1100" dirty="0"/>
+              <a:rPr lang="en-US" altLang="ko-KR" sz="1000" dirty="0"/>
               <a:t>1 </a:t>
             </a:r>
             <a:r>
-              <a:rPr lang="ko-KR" altLang="en-US" sz="1100" dirty="0" err="1"/>
+              <a:rPr lang="ko-KR" altLang="en-US" sz="1000" dirty="0" err="1"/>
               <a:t>퍼플렉서티</a:t>
             </a:r>
             <a:r>
-              <a:rPr lang="en-US" altLang="ko-KR" sz="1100" dirty="0"/>
+              <a:rPr lang="en-US" altLang="ko-KR" sz="1000" dirty="0"/>
               <a:t>: 1 / 0.8 = 1.25</a:t>
             </a:r>
           </a:p>
           <a:p>
             <a:r>
-              <a:rPr lang="ko-KR" altLang="en-US" sz="1100" dirty="0"/>
+              <a:rPr lang="ko-KR" altLang="en-US" sz="1000" dirty="0"/>
               <a:t>모델 </a:t>
             </a:r>
             <a:r>
-              <a:rPr lang="en-US" altLang="ko-KR" sz="1100" dirty="0"/>
+              <a:rPr lang="en-US" altLang="ko-KR" sz="1000" dirty="0"/>
               <a:t>2 </a:t>
             </a:r>
             <a:r>
-              <a:rPr lang="ko-KR" altLang="en-US" sz="1100" dirty="0" err="1"/>
+              <a:rPr lang="ko-KR" altLang="en-US" sz="1000" dirty="0" err="1"/>
               <a:t>퍼플렉서티</a:t>
             </a:r>
             <a:r>
-              <a:rPr lang="en-US" altLang="ko-KR" sz="1100" dirty="0"/>
+              <a:rPr lang="en-US" altLang="ko-KR" sz="1000" dirty="0"/>
               <a:t>: 1 / 0.2 = 5.0</a:t>
             </a:r>
-            <a:endParaRPr lang="ko-KR" altLang="en-US" sz="1100" dirty="0"/>
+            <a:endParaRPr lang="ko-KR" altLang="en-US" sz="1000" dirty="0"/>
           </a:p>
         </p:txBody>
       </p:sp>
@@ -20288,8 +20649,8 @@
         </p:nvSpPr>
         <p:spPr>
           <a:xfrm>
-            <a:off x="728524" y="1492595"/>
-            <a:ext cx="3351678" cy="769441"/>
+            <a:off x="728523" y="1492595"/>
+            <a:ext cx="4135477" cy="1107996"/>
           </a:xfrm>
           <a:prstGeom prst="rect">
             <a:avLst/>
@@ -20412,6 +20773,55 @@
                 <a:cs typeface="Noto Sans" panose="020B0502040504020204" pitchFamily="34" charset="0"/>
               </a:rPr>
               <a:t>의미</a:t>
+            </a:r>
+            <a:br>
+              <a:rPr lang="en-US" altLang="ko-KR" sz="1100" dirty="0">
+                <a:latin typeface="Noto Sans" panose="020B0502040504020204" pitchFamily="34" charset="0"/>
+                <a:cs typeface="Noto Sans" panose="020B0502040504020204" pitchFamily="34" charset="0"/>
+              </a:rPr>
+            </a:br>
+            <a:r>
+              <a:rPr lang="en-US" altLang="ko-KR" sz="1100" dirty="0">
+                <a:latin typeface="Noto Sans" panose="020B0502040504020204" pitchFamily="34" charset="0"/>
+                <a:cs typeface="Noto Sans" panose="020B0502040504020204" pitchFamily="34" charset="0"/>
+              </a:rPr>
+              <a:t>- </a:t>
+            </a:r>
+            <a:r>
+              <a:rPr lang="ko-KR" altLang="en-US" sz="1100" dirty="0" err="1">
+                <a:latin typeface="Noto Sans" panose="020B0502040504020204" pitchFamily="34" charset="0"/>
+                <a:cs typeface="Noto Sans" panose="020B0502040504020204" pitchFamily="34" charset="0"/>
+              </a:rPr>
+              <a:t>퍼플렉서티</a:t>
+            </a:r>
+            <a:r>
+              <a:rPr lang="ko-KR" altLang="en-US" sz="1100" dirty="0">
+                <a:latin typeface="Noto Sans" panose="020B0502040504020204" pitchFamily="34" charset="0"/>
+                <a:cs typeface="Noto Sans" panose="020B0502040504020204" pitchFamily="34" charset="0"/>
+              </a:rPr>
+              <a:t> 값이 낮다고 해서 무조건 문맥적으로 자연스러운 문장은 아님</a:t>
+            </a:r>
+            <a:endParaRPr lang="en-US" altLang="ko-KR" sz="1100" dirty="0">
+              <a:latin typeface="Noto Sans" panose="020B0502040504020204" pitchFamily="34" charset="0"/>
+              <a:cs typeface="Noto Sans" panose="020B0502040504020204" pitchFamily="34" charset="0"/>
+            </a:endParaRPr>
+          </a:p>
+          <a:p>
+            <a:r>
+              <a:rPr lang="en-US" altLang="ko-KR" sz="1100" dirty="0">
+                <a:latin typeface="Noto Sans" panose="020B0502040504020204" pitchFamily="34" charset="0"/>
+                <a:ea typeface="Noto Sans" panose="020B0502040504020204" pitchFamily="34" charset="0"/>
+                <a:cs typeface="Noto Sans" panose="020B0502040504020204" pitchFamily="34" charset="0"/>
+              </a:rPr>
+              <a:t>- </a:t>
+            </a:r>
+            <a:r>
+              <a:rPr lang="ko-KR" altLang="en-US" sz="1100" dirty="0">
+                <a:latin typeface="Noto Sans" panose="020B0502040504020204" pitchFamily="34" charset="0"/>
+                <a:ea typeface="Noto Sans" panose="020B0502040504020204" pitchFamily="34" charset="0"/>
+                <a:cs typeface="Noto Sans" panose="020B0502040504020204" pitchFamily="34" charset="0"/>
+              </a:rPr>
+              <a:t>다른 의미적 평가 지표를 함께 활용하면 더 정확한 평가 가능</a:t>
             </a:r>
             <a:endParaRPr lang="en-US" altLang="ko-KR" sz="1100" dirty="0">
               <a:latin typeface="Noto Sans" panose="020B0502040504020204" pitchFamily="34" charset="0"/>
@@ -20526,45 +20936,475 @@
           </a:p>
         </p:txBody>
       </p:sp>
-      <p:sp>
-        <p:nvSpPr>
-          <p:cNvPr id="5" name="TextBox 4">
-            <a:extLst>
-              <a:ext uri="{FF2B5EF4-FFF2-40B4-BE49-F238E27FC236}">
-                <a16:creationId xmlns:a16="http://schemas.microsoft.com/office/drawing/2014/main" id="{234CBB23-2728-A9E3-71F5-97565159F162}"/>
-              </a:ext>
-            </a:extLst>
-          </p:cNvPr>
-          <p:cNvSpPr txBox="1"/>
-          <p:nvPr/>
-        </p:nvSpPr>
-        <p:spPr>
-          <a:xfrm>
-            <a:off x="1631953" y="313479"/>
-            <a:ext cx="5880094" cy="307777"/>
-          </a:xfrm>
-          <a:prstGeom prst="rect">
-            <a:avLst/>
-          </a:prstGeom>
-          <a:noFill/>
-        </p:spPr>
-        <p:txBody>
-          <a:bodyPr wrap="square" rtlCol="0">
-            <a:spAutoFit/>
-          </a:bodyPr>
-          <a:lstStyle/>
-          <a:p>
-            <a:pPr algn="ctr"/>
-            <a:r>
-              <a:rPr lang="ko-KR" altLang="en-US" b="1" dirty="0">
-                <a:latin typeface="Noto Sans" panose="020B0502040504020204" pitchFamily="34" charset="0"/>
-                <a:cs typeface="Noto Sans" panose="020B0502040504020204" pitchFamily="34" charset="0"/>
-              </a:rPr>
-              <a:t>사전 세미나 코멘트</a:t>
-            </a:r>
-          </a:p>
-        </p:txBody>
-      </p:sp>
+      <p:graphicFrame>
+        <p:nvGraphicFramePr>
+          <p:cNvPr id="4" name="표 3">
+            <a:extLst>
+              <a:ext uri="{FF2B5EF4-FFF2-40B4-BE49-F238E27FC236}">
+                <a16:creationId xmlns:a16="http://schemas.microsoft.com/office/drawing/2014/main" id="{CBD7A037-7A2A-FBDC-F1E1-9470C4DBDE28}"/>
+              </a:ext>
+            </a:extLst>
+          </p:cNvPr>
+          <p:cNvGraphicFramePr>
+            <a:graphicFrameLocks noGrp="1"/>
+          </p:cNvGraphicFramePr>
+          <p:nvPr>
+            <p:extLst>
+              <p:ext uri="{D42A27DB-BD31-4B8C-83A1-F6EECF244321}">
+                <p14:modId xmlns:p14="http://schemas.microsoft.com/office/powerpoint/2010/main" val="3979442375"/>
+              </p:ext>
+            </p:extLst>
+          </p:nvPr>
+        </p:nvGraphicFramePr>
+        <p:xfrm>
+          <a:off x="589547" y="539751"/>
+          <a:ext cx="7784432" cy="4290018"/>
+        </p:xfrm>
+        <a:graphic>
+          <a:graphicData uri="http://schemas.openxmlformats.org/drawingml/2006/table">
+            <a:tbl>
+              <a:tblPr firstRow="1" bandRow="1">
+                <a:tableStyleId>{A8C7C823-F04F-458A-A338-382BEF506892}</a:tableStyleId>
+              </a:tblPr>
+              <a:tblGrid>
+                <a:gridCol w="1130969">
+                  <a:extLst>
+                    <a:ext uri="{9D8B030D-6E8A-4147-A177-3AD203B41FA5}">
+                      <a16:colId xmlns:a16="http://schemas.microsoft.com/office/drawing/2014/main" val="4037598360"/>
+                    </a:ext>
+                  </a:extLst>
+                </a:gridCol>
+                <a:gridCol w="6653463">
+                  <a:extLst>
+                    <a:ext uri="{9D8B030D-6E8A-4147-A177-3AD203B41FA5}">
+                      <a16:colId xmlns:a16="http://schemas.microsoft.com/office/drawing/2014/main" val="112567759"/>
+                    </a:ext>
+                  </a:extLst>
+                </a:gridCol>
+              </a:tblGrid>
+              <a:tr h="388045">
+                <a:tc gridSpan="2">
+                  <a:txBody>
+                    <a:bodyPr/>
+                    <a:lstStyle/>
+                    <a:p>
+                      <a:pPr algn="ctr" latinLnBrk="1"/>
+                      <a:r>
+                        <a:rPr lang="ko-KR" altLang="en-US" b="1" dirty="0"/>
+                        <a:t>사전 세미나 코멘트</a:t>
+                      </a:r>
+                    </a:p>
+                  </a:txBody>
+                  <a:tcPr/>
+                </a:tc>
+                <a:tc hMerge="1">
+                  <a:txBody>
+                    <a:bodyPr/>
+                    <a:lstStyle/>
+                    <a:p>
+                      <a:pPr latinLnBrk="1"/>
+                      <a:endParaRPr lang="ko-KR" altLang="en-US" dirty="0"/>
+                    </a:p>
+                  </a:txBody>
+                  <a:tcPr/>
+                </a:tc>
+                <a:extLst>
+                  <a:ext uri="{0D108BD9-81ED-4DB2-BD59-A6C34878D82A}">
+                    <a16:rowId xmlns:a16="http://schemas.microsoft.com/office/drawing/2014/main" val="3403175779"/>
+                  </a:ext>
+                </a:extLst>
+              </a:tr>
+              <a:tr h="762533">
+                <a:tc>
+                  <a:txBody>
+                    <a:bodyPr/>
+                    <a:lstStyle/>
+                    <a:p>
+                      <a:pPr algn="ctr" latinLnBrk="1"/>
+                      <a:r>
+                        <a:rPr lang="ko-KR" altLang="en-US" sz="1200" dirty="0"/>
+                        <a:t>본 세미나에 반영함</a:t>
+                      </a:r>
+                    </a:p>
+                  </a:txBody>
+                  <a:tcPr anchor="ctr"/>
+                </a:tc>
+                <a:tc>
+                  <a:txBody>
+                    <a:bodyPr/>
+                    <a:lstStyle/>
+                    <a:p>
+                      <a:pPr latinLnBrk="1"/>
+                      <a:r>
+                        <a:rPr lang="ko-KR" altLang="en-US" sz="1000" dirty="0"/>
+                        <a:t>시소러스에서 단점으로 높은 인적 비용 언급에 대한 설명</a:t>
+                      </a:r>
+                      <a:endParaRPr lang="en-US" altLang="ko-KR" sz="1000" dirty="0"/>
+                    </a:p>
+                    <a:p>
+                      <a:pPr latinLnBrk="1"/>
+                      <a:r>
+                        <a:rPr lang="ko-KR" altLang="en-US" sz="1000" dirty="0"/>
+                        <a:t>점별 상호정보량</a:t>
+                      </a:r>
+                      <a:r>
+                        <a:rPr lang="en-US" altLang="ko-KR" sz="1000" dirty="0"/>
+                        <a:t>(PMI)</a:t>
+                      </a:r>
+                      <a:r>
+                        <a:rPr lang="ko-KR" altLang="en-US" sz="1000" dirty="0"/>
+                        <a:t>를 쓰는 이유</a:t>
+                      </a:r>
+                      <a:endParaRPr lang="en-US" altLang="ko-KR" sz="1000" dirty="0"/>
+                    </a:p>
+                    <a:p>
+                      <a:pPr latinLnBrk="1"/>
+                      <a:r>
+                        <a:rPr lang="ko-KR" altLang="en-US" sz="1000" dirty="0" err="1"/>
+                        <a:t>퍼플렉서티가</a:t>
+                      </a:r>
+                      <a:r>
+                        <a:rPr lang="ko-KR" altLang="en-US" sz="1000" dirty="0"/>
+                        <a:t> 낮을수록 성능이 좋다고 했는데</a:t>
+                      </a:r>
+                      <a:r>
+                        <a:rPr lang="en-US" altLang="ko-KR" sz="1000" dirty="0"/>
+                        <a:t>, </a:t>
+                      </a:r>
+                      <a:r>
+                        <a:rPr lang="ko-KR" altLang="en-US" sz="1000" dirty="0" err="1"/>
+                        <a:t>퍼플렉서티가</a:t>
+                      </a:r>
+                      <a:r>
+                        <a:rPr lang="ko-KR" altLang="en-US" sz="1000" dirty="0"/>
+                        <a:t> 높다고 해서 모델 성능이 좋지 않은 것이 맞는지</a:t>
+                      </a:r>
+                      <a:br>
+                        <a:rPr lang="en-US" altLang="ko-KR" sz="1000" dirty="0"/>
+                      </a:br>
+                      <a:r>
+                        <a:rPr lang="ko-KR" altLang="en-US" sz="1000" dirty="0"/>
+                        <a:t>네거티브 샘플링 기법에서 부정적 예를 샘플링 할 때</a:t>
+                      </a:r>
+                      <a:r>
+                        <a:rPr lang="en-US" altLang="ko-KR" sz="1000" dirty="0"/>
+                        <a:t>, </a:t>
+                      </a:r>
+                      <a:r>
+                        <a:rPr lang="ko-KR" altLang="en-US" sz="1000" dirty="0"/>
+                        <a:t>다른 방법이 있는지</a:t>
+                      </a:r>
+                    </a:p>
+                  </a:txBody>
+                  <a:tcPr/>
+                </a:tc>
+                <a:extLst>
+                  <a:ext uri="{0D108BD9-81ED-4DB2-BD59-A6C34878D82A}">
+                    <a16:rowId xmlns:a16="http://schemas.microsoft.com/office/drawing/2014/main" val="3549817106"/>
+                  </a:ext>
+                </a:extLst>
+              </a:tr>
+              <a:tr h="2927970">
+                <a:tc>
+                  <a:txBody>
+                    <a:bodyPr/>
+                    <a:lstStyle/>
+                    <a:p>
+                      <a:pPr algn="ctr" latinLnBrk="1"/>
+                      <a:r>
+                        <a:rPr lang="ko-KR" altLang="en-US" sz="1200" dirty="0"/>
+                        <a:t>그 외 코멘트</a:t>
+                      </a:r>
+                    </a:p>
+                  </a:txBody>
+                  <a:tcPr anchor="ctr"/>
+                </a:tc>
+                <a:tc>
+                  <a:txBody>
+                    <a:bodyPr/>
+                    <a:lstStyle/>
+                    <a:p>
+                      <a:pPr latinLnBrk="1"/>
+                      <a:r>
+                        <a:rPr lang="en-US" altLang="ko-KR" sz="1000" dirty="0" err="1"/>
+                        <a:t>CBoW</a:t>
+                      </a:r>
+                      <a:r>
+                        <a:rPr lang="ko-KR" altLang="en-US" sz="1000" dirty="0"/>
+                        <a:t>와 </a:t>
+                      </a:r>
+                      <a:r>
+                        <a:rPr lang="en-US" altLang="ko-KR" sz="1000" dirty="0"/>
+                        <a:t>skip-gram </a:t>
+                      </a:r>
+                      <a:r>
+                        <a:rPr lang="ko-KR" altLang="en-US" sz="1000" dirty="0"/>
+                        <a:t>중 어떤 모델이 더 좋다고 판단하는지</a:t>
+                      </a:r>
+                      <a:endParaRPr lang="en-US" altLang="ko-KR" sz="1000" dirty="0"/>
+                    </a:p>
+                    <a:p>
+                      <a:pPr latinLnBrk="1"/>
+                      <a:r>
+                        <a:rPr lang="en-US" altLang="ko-KR" sz="1000" dirty="0"/>
+                        <a:t>- </a:t>
+                      </a:r>
+                      <a:r>
+                        <a:rPr lang="ko-KR" altLang="en-US" sz="1000" dirty="0"/>
+                        <a:t>더 많은 </a:t>
+                      </a:r>
+                      <a:r>
+                        <a:rPr lang="en-US" altLang="ko-KR" sz="1000" dirty="0"/>
+                        <a:t>contexts</a:t>
+                      </a:r>
+                      <a:r>
+                        <a:rPr lang="ko-KR" altLang="en-US" sz="1000" dirty="0"/>
+                        <a:t>를 추론하는 </a:t>
+                      </a:r>
+                      <a:r>
+                        <a:rPr lang="en-US" altLang="ko-KR" sz="1000" dirty="0"/>
+                        <a:t>skip-gram</a:t>
+                      </a:r>
+                      <a:r>
+                        <a:rPr lang="ko-KR" altLang="en-US" sz="1000" dirty="0"/>
+                        <a:t>이 더 뛰어날 것으로 생각</a:t>
+                      </a:r>
+                      <a:r>
+                        <a:rPr lang="en-US" altLang="ko-KR" sz="1000" dirty="0"/>
+                        <a:t>. </a:t>
+                      </a:r>
+                      <a:r>
+                        <a:rPr lang="ko-KR" altLang="en-US" sz="1000" dirty="0"/>
+                        <a:t>매개변수 면에서는 </a:t>
+                      </a:r>
+                      <a:r>
+                        <a:rPr lang="en-US" altLang="ko-KR" sz="1000" dirty="0" err="1"/>
+                        <a:t>CBoW</a:t>
+                      </a:r>
+                      <a:r>
+                        <a:rPr lang="ko-KR" altLang="en-US" sz="1000" dirty="0"/>
+                        <a:t>가 더 유리</a:t>
+                      </a:r>
+                      <a:endParaRPr lang="en-US" altLang="ko-KR" sz="1000" dirty="0"/>
+                    </a:p>
+                    <a:p>
+                      <a:pPr latinLnBrk="1"/>
+                      <a:endParaRPr lang="en-US" altLang="ko-KR" sz="1000" dirty="0"/>
+                    </a:p>
+                    <a:p>
+                      <a:pPr latinLnBrk="1"/>
+                      <a:r>
+                        <a:rPr lang="en-US" altLang="ko-KR" sz="1000" dirty="0"/>
+                        <a:t>word2vec</a:t>
+                      </a:r>
+                      <a:r>
+                        <a:rPr lang="ko-KR" altLang="en-US" sz="1000" dirty="0"/>
+                        <a:t>에서 윈도우 사이즈를 최대로 하면 안되는지</a:t>
+                      </a:r>
+                      <a:endParaRPr lang="en-US" altLang="ko-KR" sz="1000" dirty="0"/>
+                    </a:p>
+                    <a:p>
+                      <a:pPr latinLnBrk="1"/>
+                      <a:r>
+                        <a:rPr lang="en-US" altLang="ko-KR" sz="1000" dirty="0"/>
+                        <a:t>- </a:t>
+                      </a:r>
+                      <a:r>
+                        <a:rPr lang="ko-KR" altLang="en-US" sz="1000" dirty="0"/>
+                        <a:t>맥락에서 중요하지 않은</a:t>
+                      </a:r>
+                      <a:r>
+                        <a:rPr lang="en-US" altLang="ko-KR" sz="1000" dirty="0"/>
+                        <a:t>(</a:t>
+                      </a:r>
+                      <a:r>
+                        <a:rPr lang="ko-KR" altLang="en-US" sz="1000" dirty="0"/>
+                        <a:t>연관 없는</a:t>
+                      </a:r>
+                      <a:r>
+                        <a:rPr lang="en-US" altLang="ko-KR" sz="1000" dirty="0"/>
+                        <a:t>) </a:t>
+                      </a:r>
+                      <a:r>
+                        <a:rPr lang="ko-KR" altLang="en-US" sz="1000" dirty="0"/>
+                        <a:t>단어들까지 모두 고려하기 때문에 의미적 관계가 </a:t>
+                      </a:r>
+                      <a:r>
+                        <a:rPr lang="ko-KR" altLang="en-US" sz="1000" dirty="0" err="1"/>
+                        <a:t>약해짐</a:t>
+                      </a:r>
+                      <a:br>
+                        <a:rPr lang="en-US" altLang="ko-KR" sz="1000" dirty="0"/>
+                      </a:br>
+                      <a:br>
+                        <a:rPr lang="en-US" altLang="ko-KR" sz="1000" dirty="0"/>
+                      </a:br>
+                      <a:r>
+                        <a:rPr lang="en-US" altLang="ko-KR" sz="1000" dirty="0"/>
+                        <a:t>Truncated BPTT </a:t>
+                      </a:r>
+                      <a:r>
+                        <a:rPr lang="ko-KR" altLang="en-US" sz="1000" dirty="0"/>
+                        <a:t>에서 역전파가 잘려 있는데 이 경우 역전파가 잘 전달되는 것이 맞는지</a:t>
+                      </a:r>
+                      <a:br>
+                        <a:rPr lang="en-US" altLang="ko-KR" sz="1000" dirty="0"/>
+                      </a:br>
+                      <a:r>
+                        <a:rPr lang="en-US" altLang="ko-KR" sz="1000" dirty="0"/>
+                        <a:t>- </a:t>
+                      </a:r>
+                      <a:r>
+                        <a:rPr lang="ko-KR" altLang="en-US" sz="1000" dirty="0"/>
+                        <a:t>순전파가 시각 끝까지 처리 후 </a:t>
+                      </a:r>
+                      <a:r>
+                        <a:rPr lang="ko-KR" altLang="en-US" sz="1000" dirty="0" err="1"/>
+                        <a:t>역전파</a:t>
+                      </a:r>
+                      <a:r>
+                        <a:rPr lang="ko-KR" altLang="en-US" sz="1000" dirty="0"/>
+                        <a:t> 수행</a:t>
+                      </a:r>
+                      <a:r>
+                        <a:rPr lang="en-US" altLang="ko-KR" sz="1000" dirty="0"/>
+                        <a:t>, </a:t>
+                      </a:r>
+                      <a:r>
+                        <a:rPr lang="ko-KR" altLang="en-US" sz="1000" dirty="0"/>
+                        <a:t>각 블록의 마지막 시각의 출력을 이용한 블록단위 계산을 통해 기울기 소실</a:t>
+                      </a:r>
+                      <a:r>
+                        <a:rPr lang="en-US" altLang="ko-KR" sz="1000" dirty="0"/>
+                        <a:t>/</a:t>
+                      </a:r>
+                      <a:r>
+                        <a:rPr lang="ko-KR" altLang="en-US" sz="1000" dirty="0"/>
+                        <a:t>폭발 방지</a:t>
+                      </a:r>
+                      <a:br>
+                        <a:rPr lang="en-US" altLang="ko-KR" sz="1000" dirty="0"/>
+                      </a:br>
+                      <a:br>
+                        <a:rPr lang="en-US" altLang="ko-KR" sz="1000" dirty="0"/>
+                      </a:br>
+                      <a:r>
+                        <a:rPr lang="en-US" altLang="ko-KR" sz="1000" dirty="0"/>
+                        <a:t>Truncated BPTT </a:t>
+                      </a:r>
+                      <a:r>
+                        <a:rPr lang="ko-KR" altLang="en-US" sz="1000" dirty="0"/>
+                        <a:t>미니배치 학습에서</a:t>
+                      </a:r>
+                      <a:r>
+                        <a:rPr lang="en-US" altLang="ko-KR" sz="1000" dirty="0"/>
+                        <a:t>, </a:t>
+                      </a:r>
+                      <a:r>
+                        <a:rPr lang="ko-KR" altLang="en-US" sz="1000" dirty="0"/>
+                        <a:t>두번째 미니배치의 경우 이전 시각의 정보를 못 받는데 학습이 가능한지</a:t>
+                      </a:r>
+                      <a:br>
+                        <a:rPr lang="en-US" altLang="ko-KR" sz="1000" dirty="0"/>
+                      </a:br>
+                      <a:r>
+                        <a:rPr lang="en-US" altLang="ko-KR" sz="1000" dirty="0"/>
+                        <a:t>- RNN</a:t>
+                      </a:r>
+                      <a:r>
+                        <a:rPr lang="ko-KR" altLang="en-US" sz="1000" dirty="0"/>
+                        <a:t>의 특성상 순차적 입력은 필수적</a:t>
+                      </a:r>
+                      <a:r>
+                        <a:rPr lang="en-US" altLang="ko-KR" sz="1000" dirty="0"/>
+                        <a:t>. </a:t>
+                      </a:r>
+                      <a:r>
+                        <a:rPr lang="ko-KR" altLang="en-US" sz="1000" dirty="0"/>
+                        <a:t>감안하고 미니배치를 씀</a:t>
+                      </a:r>
+                      <a:br>
+                        <a:rPr lang="en-US" altLang="ko-KR" sz="1000" dirty="0"/>
+                      </a:br>
+                      <a:br>
+                        <a:rPr lang="en-US" altLang="ko-KR" sz="1000" dirty="0"/>
+                      </a:br>
+                      <a:r>
+                        <a:rPr lang="ko-KR" altLang="en-US" sz="1000" dirty="0"/>
+                        <a:t>통계 기반 기법과 추론 기반 기법의 차이점과 장단점이 무엇인지</a:t>
+                      </a:r>
+                      <a:br>
+                        <a:rPr lang="en-US" altLang="ko-KR" sz="1000" dirty="0"/>
+                      </a:br>
+                      <a:r>
+                        <a:rPr lang="en-US" altLang="ko-KR" sz="1000" dirty="0"/>
+                        <a:t>- </a:t>
+                      </a:r>
+                      <a:r>
+                        <a:rPr lang="ko-KR" altLang="en-US" sz="1000" dirty="0"/>
+                        <a:t>추론 기반 기법이 학습 방면에서 효율적</a:t>
+                      </a:r>
+                      <a:r>
+                        <a:rPr lang="en-US" altLang="ko-KR" sz="1000" dirty="0"/>
+                        <a:t>, </a:t>
+                      </a:r>
+                      <a:r>
+                        <a:rPr lang="ko-KR" altLang="en-US" sz="1000" dirty="0"/>
+                        <a:t>미니배치 처리 여부의 차이점 존재</a:t>
+                      </a:r>
+                      <a:br>
+                        <a:rPr lang="en-US" altLang="ko-KR" sz="1000" dirty="0"/>
+                      </a:br>
+                      <a:br>
+                        <a:rPr lang="en-US" altLang="ko-KR" sz="1000" dirty="0"/>
+                      </a:br>
+                      <a:r>
+                        <a:rPr lang="en-US" altLang="ko-KR" sz="1000" dirty="0"/>
+                        <a:t>word2vec</a:t>
+                      </a:r>
+                      <a:r>
+                        <a:rPr lang="ko-KR" altLang="en-US" sz="1000" dirty="0"/>
+                        <a:t>에서 윈도우 </a:t>
+                      </a:r>
+                      <a:r>
+                        <a:rPr lang="ko-KR" altLang="en-US" sz="1000"/>
+                        <a:t>사이즈를 크게 </a:t>
+                      </a:r>
+                      <a:r>
+                        <a:rPr lang="ko-KR" altLang="en-US" sz="1000" dirty="0"/>
+                        <a:t>하면 안되는지</a:t>
+                      </a:r>
+                      <a:br>
+                        <a:rPr lang="en-US" altLang="ko-KR" sz="1000" dirty="0"/>
+                      </a:br>
+                      <a:r>
+                        <a:rPr lang="en-US" altLang="ko-KR" sz="1000" dirty="0"/>
+                        <a:t>- </a:t>
+                      </a:r>
+                      <a:br>
+                        <a:rPr lang="en-US" altLang="ko-KR" sz="1000" dirty="0"/>
+                      </a:br>
+                      <a:br>
+                        <a:rPr lang="en-US" altLang="ko-KR" sz="1000" dirty="0"/>
+                      </a:br>
+                      <a:r>
+                        <a:rPr lang="ko-KR" altLang="en-US" sz="1000" dirty="0"/>
+                        <a:t>발표 흐름을 만들기</a:t>
+                      </a:r>
+                    </a:p>
+                  </a:txBody>
+                  <a:tcPr/>
+                </a:tc>
+                <a:extLst>
+                  <a:ext uri="{0D108BD9-81ED-4DB2-BD59-A6C34878D82A}">
+                    <a16:rowId xmlns:a16="http://schemas.microsoft.com/office/drawing/2014/main" val="3127835555"/>
+                  </a:ext>
+                </a:extLst>
+              </a:tr>
+            </a:tbl>
+          </a:graphicData>
+        </a:graphic>
+      </p:graphicFrame>
     </p:spTree>
     <p:extLst>
       <p:ext uri="{BB962C8B-B14F-4D97-AF65-F5344CB8AC3E}">
@@ -20708,6 +21548,45 @@
           </a:prstGeom>
         </p:spPr>
       </p:pic>
+      <p:sp>
+        <p:nvSpPr>
+          <p:cNvPr id="2" name="TextBox 1">
+            <a:extLst>
+              <a:ext uri="{FF2B5EF4-FFF2-40B4-BE49-F238E27FC236}">
+                <a16:creationId xmlns:a16="http://schemas.microsoft.com/office/drawing/2014/main" id="{CEC5D8F6-547B-6C8A-E9C6-5C12F3FE127B}"/>
+              </a:ext>
+            </a:extLst>
+          </p:cNvPr>
+          <p:cNvSpPr txBox="1"/>
+          <p:nvPr/>
+        </p:nvSpPr>
+        <p:spPr>
+          <a:xfrm>
+            <a:off x="8705013" y="4761580"/>
+            <a:ext cx="383438" cy="307777"/>
+          </a:xfrm>
+          <a:prstGeom prst="rect">
+            <a:avLst/>
+          </a:prstGeom>
+          <a:noFill/>
+        </p:spPr>
+        <p:txBody>
+          <a:bodyPr wrap="none" rtlCol="0">
+            <a:spAutoFit/>
+          </a:bodyPr>
+          <a:lstStyle/>
+          <a:p>
+            <a:r>
+              <a:rPr lang="en-US" altLang="ko-KR" b="1" dirty="0">
+                <a:latin typeface="Noto Sans" panose="020B0502040504020204" pitchFamily="34" charset="0"/>
+                <a:ea typeface="Noto Sans" panose="020B0502040504020204" pitchFamily="34" charset="0"/>
+                <a:cs typeface="Noto Sans" panose="020B0502040504020204" pitchFamily="34" charset="0"/>
+              </a:rPr>
+              <a:t>29</a:t>
+            </a:r>
+          </a:p>
+        </p:txBody>
+      </p:sp>
     </p:spTree>
     <p:extLst>
       <p:ext uri="{BB962C8B-B14F-4D97-AF65-F5344CB8AC3E}">
@@ -20948,7 +21827,7 @@
         <p:spPr>
           <a:xfrm>
             <a:off x="1246507" y="3641864"/>
-            <a:ext cx="2861165" cy="430887"/>
+            <a:ext cx="3325493" cy="430887"/>
           </a:xfrm>
           <a:prstGeom prst="rect">
             <a:avLst/>
@@ -20975,7 +21854,7 @@
                 <a:ea typeface="Noto Sans" panose="020B0502040504020204" pitchFamily="34" charset="0"/>
                 <a:cs typeface="Noto Sans" panose="020B0502040504020204" pitchFamily="34" charset="0"/>
               </a:rPr>
-              <a:t>수작업이기 때문에 </a:t>
+              <a:t>수작업으로 인한 </a:t>
             </a:r>
             <a:r>
               <a:rPr lang="ko-KR" altLang="en-US" sz="1100" dirty="0">
@@ -21438,6 +22317,1672 @@
         </p:spPr>
       </p:pic>
     </p:spTree>
+  </p:cSld>
+  <p:clrMapOvr>
+    <a:masterClrMapping/>
+  </p:clrMapOvr>
+</p:sld>
+</file>
+
+<file path=ppt/slides/slide30.xml><?xml version="1.0" encoding="utf-8"?>
+<p:sld xmlns:a="http://schemas.openxmlformats.org/drawingml/2006/main" xmlns:r="http://schemas.openxmlformats.org/officeDocument/2006/relationships" xmlns:p="http://schemas.openxmlformats.org/presentationml/2006/main">
+  <p:cSld>
+    <p:spTree>
+      <p:nvGrpSpPr>
+        <p:cNvPr id="1" name="Shape 206">
+          <a:extLst>
+            <a:ext uri="{FF2B5EF4-FFF2-40B4-BE49-F238E27FC236}">
+              <a16:creationId xmlns:a16="http://schemas.microsoft.com/office/drawing/2014/main" id="{217525EF-6184-EA8D-99A3-AA87FF464F22}"/>
+            </a:ext>
+          </a:extLst>
+        </p:cNvPr>
+        <p:cNvGrpSpPr/>
+        <p:nvPr/>
+      </p:nvGrpSpPr>
+      <p:grpSpPr>
+        <a:xfrm>
+          <a:off x="0" y="0"/>
+          <a:ext cx="0" cy="0"/>
+          <a:chOff x="0" y="0"/>
+          <a:chExt cx="0" cy="0"/>
+        </a:xfrm>
+      </p:grpSpPr>
+      <p:pic>
+        <p:nvPicPr>
+          <p:cNvPr id="14" name="그림 13">
+            <a:extLst>
+              <a:ext uri="{FF2B5EF4-FFF2-40B4-BE49-F238E27FC236}">
+                <a16:creationId xmlns:a16="http://schemas.microsoft.com/office/drawing/2014/main" id="{A0BD8CF7-6B45-D768-EE24-378606418C4B}"/>
+              </a:ext>
+            </a:extLst>
+          </p:cNvPr>
+          <p:cNvPicPr>
+            <a:picLocks noChangeAspect="1"/>
+          </p:cNvPicPr>
+          <p:nvPr/>
+        </p:nvPicPr>
+        <p:blipFill>
+          <a:blip r:embed="rId3"/>
+          <a:stretch>
+            <a:fillRect/>
+          </a:stretch>
+        </p:blipFill>
+        <p:spPr>
+          <a:xfrm>
+            <a:off x="36127" y="4862261"/>
+            <a:ext cx="1960963" cy="228019"/>
+          </a:xfrm>
+          <a:prstGeom prst="rect">
+            <a:avLst/>
+          </a:prstGeom>
+        </p:spPr>
+      </p:pic>
+      <p:sp>
+        <p:nvSpPr>
+          <p:cNvPr id="15" name="TextBox 14">
+            <a:extLst>
+              <a:ext uri="{FF2B5EF4-FFF2-40B4-BE49-F238E27FC236}">
+                <a16:creationId xmlns:a16="http://schemas.microsoft.com/office/drawing/2014/main" id="{BA429C89-2798-5C5A-F154-A1F8CD9648DC}"/>
+              </a:ext>
+            </a:extLst>
+          </p:cNvPr>
+          <p:cNvSpPr txBox="1"/>
+          <p:nvPr/>
+        </p:nvSpPr>
+        <p:spPr>
+          <a:xfrm>
+            <a:off x="8705013" y="4761580"/>
+            <a:ext cx="383438" cy="307777"/>
+          </a:xfrm>
+          <a:prstGeom prst="rect">
+            <a:avLst/>
+          </a:prstGeom>
+          <a:noFill/>
+        </p:spPr>
+        <p:txBody>
+          <a:bodyPr wrap="none" rtlCol="0">
+            <a:spAutoFit/>
+          </a:bodyPr>
+          <a:lstStyle/>
+          <a:p>
+            <a:r>
+              <a:rPr lang="en-US" altLang="ko-KR" b="1" dirty="0">
+                <a:latin typeface="Noto Sans" panose="020B0502040504020204" pitchFamily="34" charset="0"/>
+                <a:ea typeface="Noto Sans" panose="020B0502040504020204" pitchFamily="34" charset="0"/>
+                <a:cs typeface="Noto Sans" panose="020B0502040504020204" pitchFamily="34" charset="0"/>
+              </a:rPr>
+              <a:t>30</a:t>
+            </a:r>
+          </a:p>
+        </p:txBody>
+      </p:sp>
+      <p:sp>
+        <p:nvSpPr>
+          <p:cNvPr id="5" name="TextBox 4">
+            <a:extLst>
+              <a:ext uri="{FF2B5EF4-FFF2-40B4-BE49-F238E27FC236}">
+                <a16:creationId xmlns:a16="http://schemas.microsoft.com/office/drawing/2014/main" id="{165E7DBC-9FEF-A45B-C440-5FEDF83A25D7}"/>
+              </a:ext>
+            </a:extLst>
+          </p:cNvPr>
+          <p:cNvSpPr txBox="1"/>
+          <p:nvPr/>
+        </p:nvSpPr>
+        <p:spPr>
+          <a:xfrm>
+            <a:off x="73666" y="84879"/>
+            <a:ext cx="5880094" cy="307777"/>
+          </a:xfrm>
+          <a:prstGeom prst="rect">
+            <a:avLst/>
+          </a:prstGeom>
+          <a:noFill/>
+        </p:spPr>
+        <p:txBody>
+          <a:bodyPr wrap="square" rtlCol="0">
+            <a:spAutoFit/>
+          </a:bodyPr>
+          <a:lstStyle/>
+          <a:p>
+            <a:r>
+              <a:rPr lang="en-US" altLang="ko-KR" b="1" dirty="0">
+                <a:latin typeface="Noto Sans" panose="020B0502040504020204" pitchFamily="34" charset="0"/>
+                <a:ea typeface="Noto Sans" panose="020B0502040504020204" pitchFamily="34" charset="0"/>
+                <a:cs typeface="Noto Sans" panose="020B0502040504020204" pitchFamily="34" charset="0"/>
+              </a:rPr>
+              <a:t>Appendix</a:t>
+            </a:r>
+            <a:endParaRPr lang="ko-KR" altLang="en-US" b="1" dirty="0">
+              <a:latin typeface="Noto Sans" panose="020B0502040504020204" pitchFamily="34" charset="0"/>
+              <a:cs typeface="Noto Sans" panose="020B0502040504020204" pitchFamily="34" charset="0"/>
+            </a:endParaRPr>
+          </a:p>
+        </p:txBody>
+      </p:sp>
+      <p:sp>
+        <p:nvSpPr>
+          <p:cNvPr id="16" name="TextBox 15">
+            <a:extLst>
+              <a:ext uri="{FF2B5EF4-FFF2-40B4-BE49-F238E27FC236}">
+                <a16:creationId xmlns:a16="http://schemas.microsoft.com/office/drawing/2014/main" id="{DE4628BF-7B45-1B65-49B3-EE6CD448A356}"/>
+              </a:ext>
+            </a:extLst>
+          </p:cNvPr>
+          <p:cNvSpPr txBox="1"/>
+          <p:nvPr/>
+        </p:nvSpPr>
+        <p:spPr>
+          <a:xfrm>
+            <a:off x="702288" y="593253"/>
+            <a:ext cx="4567544" cy="338554"/>
+          </a:xfrm>
+          <a:prstGeom prst="rect">
+            <a:avLst/>
+          </a:prstGeom>
+          <a:noFill/>
+        </p:spPr>
+        <p:txBody>
+          <a:bodyPr wrap="square" rtlCol="0">
+            <a:spAutoFit/>
+          </a:bodyPr>
+          <a:lstStyle/>
+          <a:p>
+            <a:r>
+              <a:rPr lang="ko-KR" altLang="en-US" sz="1600" b="1" dirty="0">
+                <a:latin typeface="Noto Sans" panose="020B0502040504020204" pitchFamily="34" charset="0"/>
+                <a:cs typeface="Noto Sans" panose="020B0502040504020204" pitchFamily="34" charset="0"/>
+              </a:rPr>
+              <a:t>네거티브 샘플링의 다른 샘플링 기법 </a:t>
+            </a:r>
+          </a:p>
+        </p:txBody>
+      </p:sp>
+      <p:sp>
+        <p:nvSpPr>
+          <p:cNvPr id="25" name="TextBox 24">
+            <a:extLst>
+              <a:ext uri="{FF2B5EF4-FFF2-40B4-BE49-F238E27FC236}">
+                <a16:creationId xmlns:a16="http://schemas.microsoft.com/office/drawing/2014/main" id="{67FB500E-5674-E13A-E59C-A2AC86ADCDBC}"/>
+              </a:ext>
+            </a:extLst>
+          </p:cNvPr>
+          <p:cNvSpPr txBox="1"/>
+          <p:nvPr/>
+        </p:nvSpPr>
+        <p:spPr>
+          <a:xfrm>
+            <a:off x="702287" y="1022896"/>
+            <a:ext cx="4808175" cy="630942"/>
+          </a:xfrm>
+          <a:prstGeom prst="rect">
+            <a:avLst/>
+          </a:prstGeom>
+          <a:noFill/>
+        </p:spPr>
+        <p:txBody>
+          <a:bodyPr wrap="square" rtlCol="0">
+            <a:spAutoFit/>
+          </a:bodyPr>
+          <a:lstStyle/>
+          <a:p>
+            <a:r>
+              <a:rPr lang="en-US" altLang="ko-KR" sz="1300" b="1" dirty="0">
+                <a:latin typeface="Noto Sans" panose="020B0502040504020204" pitchFamily="34" charset="0"/>
+                <a:ea typeface="Noto Sans" panose="020B0502040504020204" pitchFamily="34" charset="0"/>
+                <a:cs typeface="Noto Sans" panose="020B0502040504020204" pitchFamily="34" charset="0"/>
+              </a:rPr>
+              <a:t>1. </a:t>
+            </a:r>
+            <a:r>
+              <a:rPr lang="ko-KR" altLang="en-US" sz="1300" b="1" dirty="0">
+                <a:latin typeface="Noto Sans" panose="020B0502040504020204" pitchFamily="34" charset="0"/>
+                <a:cs typeface="Noto Sans" panose="020B0502040504020204" pitchFamily="34" charset="0"/>
+              </a:rPr>
+              <a:t>균등 샘플링</a:t>
+            </a:r>
+            <a:r>
+              <a:rPr lang="en-US" altLang="ko-KR" sz="1300" b="1" dirty="0">
+                <a:latin typeface="Noto Sans" panose="020B0502040504020204" pitchFamily="34" charset="0"/>
+                <a:ea typeface="Noto Sans" panose="020B0502040504020204" pitchFamily="34" charset="0"/>
+                <a:cs typeface="Noto Sans" panose="020B0502040504020204" pitchFamily="34" charset="0"/>
+              </a:rPr>
+              <a:t>(Uniform Sampling)</a:t>
+            </a:r>
+            <a:br>
+              <a:rPr lang="en-US" altLang="ko-KR" sz="1300" b="1" dirty="0">
+                <a:latin typeface="Noto Sans" panose="020B0502040504020204" pitchFamily="34" charset="0"/>
+                <a:ea typeface="Noto Sans" panose="020B0502040504020204" pitchFamily="34" charset="0"/>
+                <a:cs typeface="Noto Sans" panose="020B0502040504020204" pitchFamily="34" charset="0"/>
+              </a:rPr>
+            </a:br>
+            <a:r>
+              <a:rPr lang="en-US" altLang="ko-KR" sz="1100" dirty="0">
+                <a:latin typeface="Noto Sans" panose="020B0502040504020204" pitchFamily="34" charset="0"/>
+                <a:ea typeface="Noto Sans" panose="020B0502040504020204" pitchFamily="34" charset="0"/>
+                <a:cs typeface="Noto Sans" panose="020B0502040504020204" pitchFamily="34" charset="0"/>
+              </a:rPr>
+              <a:t>- </a:t>
+            </a:r>
+            <a:r>
+              <a:rPr lang="ko-KR" altLang="en-US" sz="1100" dirty="0">
+                <a:latin typeface="Noto Sans" panose="020B0502040504020204" pitchFamily="34" charset="0"/>
+                <a:cs typeface="Noto Sans" panose="020B0502040504020204" pitchFamily="34" charset="0"/>
+              </a:rPr>
+              <a:t>모든 단어를 동일한 확률로 샘플링</a:t>
+            </a:r>
+            <a:br>
+              <a:rPr lang="en-US" altLang="ko-KR" sz="1100" dirty="0">
+                <a:latin typeface="Noto Sans" panose="020B0502040504020204" pitchFamily="34" charset="0"/>
+                <a:ea typeface="Noto Sans" panose="020B0502040504020204" pitchFamily="34" charset="0"/>
+                <a:cs typeface="Noto Sans" panose="020B0502040504020204" pitchFamily="34" charset="0"/>
+              </a:rPr>
+            </a:br>
+            <a:r>
+              <a:rPr lang="en-US" altLang="ko-KR" sz="1100" dirty="0">
+                <a:latin typeface="Noto Sans" panose="020B0502040504020204" pitchFamily="34" charset="0"/>
+                <a:ea typeface="Noto Sans" panose="020B0502040504020204" pitchFamily="34" charset="0"/>
+                <a:cs typeface="Noto Sans" panose="020B0502040504020204" pitchFamily="34" charset="0"/>
+              </a:rPr>
+              <a:t>- </a:t>
+            </a:r>
+            <a:r>
+              <a:rPr lang="ko-KR" altLang="en-US" sz="1100" dirty="0">
+                <a:latin typeface="Noto Sans" panose="020B0502040504020204" pitchFamily="34" charset="0"/>
+                <a:cs typeface="Noto Sans" panose="020B0502040504020204" pitchFamily="34" charset="0"/>
+              </a:rPr>
+              <a:t>단순하지만</a:t>
+            </a:r>
+            <a:r>
+              <a:rPr lang="en-US" altLang="ko-KR" sz="1100" dirty="0">
+                <a:latin typeface="Noto Sans" panose="020B0502040504020204" pitchFamily="34" charset="0"/>
+                <a:ea typeface="Noto Sans" panose="020B0502040504020204" pitchFamily="34" charset="0"/>
+                <a:cs typeface="Noto Sans" panose="020B0502040504020204" pitchFamily="34" charset="0"/>
+              </a:rPr>
+              <a:t>, </a:t>
+            </a:r>
+            <a:r>
+              <a:rPr lang="ko-KR" altLang="en-US" sz="1100" dirty="0">
+                <a:latin typeface="Noto Sans" panose="020B0502040504020204" pitchFamily="34" charset="0"/>
+                <a:cs typeface="Noto Sans" panose="020B0502040504020204" pitchFamily="34" charset="0"/>
+              </a:rPr>
+              <a:t>빈도가 낮은 단어도 과도하게 샘플링 될 가능성 </a:t>
+            </a:r>
+            <a:endParaRPr lang="ko-KR" altLang="en-US" sz="1100" b="1" dirty="0">
+              <a:latin typeface="Noto Sans" panose="020B0502040504020204" pitchFamily="34" charset="0"/>
+              <a:cs typeface="Noto Sans" panose="020B0502040504020204" pitchFamily="34" charset="0"/>
+            </a:endParaRPr>
+          </a:p>
+        </p:txBody>
+      </p:sp>
+      <p:sp>
+        <p:nvSpPr>
+          <p:cNvPr id="26" name="TextBox 25">
+            <a:extLst>
+              <a:ext uri="{FF2B5EF4-FFF2-40B4-BE49-F238E27FC236}">
+                <a16:creationId xmlns:a16="http://schemas.microsoft.com/office/drawing/2014/main" id="{D02E0FEC-4A13-66C3-387E-9FCC17A99E72}"/>
+              </a:ext>
+            </a:extLst>
+          </p:cNvPr>
+          <p:cNvSpPr txBox="1"/>
+          <p:nvPr/>
+        </p:nvSpPr>
+        <p:spPr>
+          <a:xfrm>
+            <a:off x="702286" y="1653838"/>
+            <a:ext cx="4808175" cy="800219"/>
+          </a:xfrm>
+          <a:prstGeom prst="rect">
+            <a:avLst/>
+          </a:prstGeom>
+          <a:noFill/>
+        </p:spPr>
+        <p:txBody>
+          <a:bodyPr wrap="square" rtlCol="0">
+            <a:spAutoFit/>
+          </a:bodyPr>
+          <a:lstStyle/>
+          <a:p>
+            <a:r>
+              <a:rPr lang="en-US" altLang="ko-KR" sz="1300" b="1" dirty="0">
+                <a:latin typeface="Noto Sans" panose="020B0502040504020204" pitchFamily="34" charset="0"/>
+                <a:ea typeface="Noto Sans" panose="020B0502040504020204" pitchFamily="34" charset="0"/>
+                <a:cs typeface="Noto Sans" panose="020B0502040504020204" pitchFamily="34" charset="0"/>
+              </a:rPr>
+              <a:t>2. </a:t>
+            </a:r>
+            <a:r>
+              <a:rPr lang="ko-KR" altLang="en-US" sz="1300" b="1" dirty="0" err="1">
+                <a:latin typeface="Noto Sans" panose="020B0502040504020204" pitchFamily="34" charset="0"/>
+                <a:cs typeface="Noto Sans" panose="020B0502040504020204" pitchFamily="34" charset="0"/>
+              </a:rPr>
+              <a:t>유니그램</a:t>
+            </a:r>
+            <a:r>
+              <a:rPr lang="ko-KR" altLang="en-US" sz="1300" b="1" dirty="0">
+                <a:latin typeface="Noto Sans" panose="020B0502040504020204" pitchFamily="34" charset="0"/>
+                <a:cs typeface="Noto Sans" panose="020B0502040504020204" pitchFamily="34" charset="0"/>
+              </a:rPr>
+              <a:t> 샘플링</a:t>
+            </a:r>
+            <a:r>
+              <a:rPr lang="en-US" altLang="ko-KR" sz="1300" b="1" dirty="0">
+                <a:latin typeface="Noto Sans" panose="020B0502040504020204" pitchFamily="34" charset="0"/>
+                <a:ea typeface="Noto Sans" panose="020B0502040504020204" pitchFamily="34" charset="0"/>
+                <a:cs typeface="Noto Sans" panose="020B0502040504020204" pitchFamily="34" charset="0"/>
+              </a:rPr>
+              <a:t>(Unigram Sampling)</a:t>
+            </a:r>
+            <a:br>
+              <a:rPr lang="en-US" altLang="ko-KR" sz="1300" b="1" dirty="0">
+                <a:latin typeface="Noto Sans" panose="020B0502040504020204" pitchFamily="34" charset="0"/>
+                <a:ea typeface="Noto Sans" panose="020B0502040504020204" pitchFamily="34" charset="0"/>
+                <a:cs typeface="Noto Sans" panose="020B0502040504020204" pitchFamily="34" charset="0"/>
+              </a:rPr>
+            </a:br>
+            <a:r>
+              <a:rPr lang="en-US" altLang="ko-KR" sz="1100" dirty="0">
+                <a:latin typeface="Noto Sans" panose="020B0502040504020204" pitchFamily="34" charset="0"/>
+                <a:ea typeface="Noto Sans" panose="020B0502040504020204" pitchFamily="34" charset="0"/>
+                <a:cs typeface="Noto Sans" panose="020B0502040504020204" pitchFamily="34" charset="0"/>
+              </a:rPr>
+              <a:t>- </a:t>
+            </a:r>
+            <a:r>
+              <a:rPr lang="ko-KR" altLang="en-US" sz="1100" dirty="0">
+                <a:latin typeface="Noto Sans" panose="020B0502040504020204" pitchFamily="34" charset="0"/>
+                <a:cs typeface="Noto Sans" panose="020B0502040504020204" pitchFamily="34" charset="0"/>
+              </a:rPr>
+              <a:t>말뭉치 내 단어 빈도를 기반으로 샘플링</a:t>
+            </a:r>
+            <a:br>
+              <a:rPr lang="en-US" altLang="ko-KR" sz="1100" dirty="0">
+                <a:latin typeface="Noto Sans" panose="020B0502040504020204" pitchFamily="34" charset="0"/>
+                <a:ea typeface="Noto Sans" panose="020B0502040504020204" pitchFamily="34" charset="0"/>
+                <a:cs typeface="Noto Sans" panose="020B0502040504020204" pitchFamily="34" charset="0"/>
+              </a:rPr>
+            </a:br>
+            <a:r>
+              <a:rPr lang="en-US" altLang="ko-KR" sz="1100" dirty="0">
+                <a:latin typeface="Noto Sans" panose="020B0502040504020204" pitchFamily="34" charset="0"/>
+                <a:ea typeface="Noto Sans" panose="020B0502040504020204" pitchFamily="34" charset="0"/>
+                <a:cs typeface="Noto Sans" panose="020B0502040504020204" pitchFamily="34" charset="0"/>
+              </a:rPr>
+              <a:t>- </a:t>
+            </a:r>
+            <a:r>
+              <a:rPr lang="ko-KR" altLang="en-US" sz="1100" dirty="0" err="1">
+                <a:latin typeface="Noto Sans" panose="020B0502040504020204" pitchFamily="34" charset="0"/>
+                <a:cs typeface="Noto Sans" panose="020B0502040504020204" pitchFamily="34" charset="0"/>
+              </a:rPr>
+              <a:t>고빈도</a:t>
+            </a:r>
+            <a:r>
+              <a:rPr lang="ko-KR" altLang="en-US" sz="1100" dirty="0">
+                <a:latin typeface="Noto Sans" panose="020B0502040504020204" pitchFamily="34" charset="0"/>
+                <a:cs typeface="Noto Sans" panose="020B0502040504020204" pitchFamily="34" charset="0"/>
+              </a:rPr>
+              <a:t> 단어가 더 자주 샘플링</a:t>
+            </a:r>
+            <a:br>
+              <a:rPr lang="en-US" altLang="ko-KR" sz="1100" dirty="0">
+                <a:latin typeface="Noto Sans" panose="020B0502040504020204" pitchFamily="34" charset="0"/>
+                <a:ea typeface="Noto Sans" panose="020B0502040504020204" pitchFamily="34" charset="0"/>
+                <a:cs typeface="Noto Sans" panose="020B0502040504020204" pitchFamily="34" charset="0"/>
+              </a:rPr>
+            </a:br>
+            <a:r>
+              <a:rPr lang="en-US" altLang="ko-KR" sz="1100" dirty="0">
+                <a:latin typeface="Noto Sans" panose="020B0502040504020204" pitchFamily="34" charset="0"/>
+                <a:ea typeface="Noto Sans" panose="020B0502040504020204" pitchFamily="34" charset="0"/>
+                <a:cs typeface="Noto Sans" panose="020B0502040504020204" pitchFamily="34" charset="0"/>
+              </a:rPr>
+              <a:t>- </a:t>
+            </a:r>
+            <a:r>
+              <a:rPr lang="ko-KR" altLang="en-US" sz="1100" dirty="0">
+                <a:latin typeface="Noto Sans" panose="020B0502040504020204" pitchFamily="34" charset="0"/>
+                <a:cs typeface="Noto Sans" panose="020B0502040504020204" pitchFamily="34" charset="0"/>
+              </a:rPr>
+              <a:t>너무 많이 등장하는 단어는 학습을 방해할 수 있음</a:t>
+            </a:r>
+            <a:endParaRPr lang="ko-KR" altLang="en-US" sz="1100" b="1" dirty="0">
+              <a:latin typeface="Noto Sans" panose="020B0502040504020204" pitchFamily="34" charset="0"/>
+              <a:cs typeface="Noto Sans" panose="020B0502040504020204" pitchFamily="34" charset="0"/>
+            </a:endParaRPr>
+          </a:p>
+        </p:txBody>
+      </p:sp>
+      <p:pic>
+        <p:nvPicPr>
+          <p:cNvPr id="28" name="그림 27">
+            <a:extLst>
+              <a:ext uri="{FF2B5EF4-FFF2-40B4-BE49-F238E27FC236}">
+                <a16:creationId xmlns:a16="http://schemas.microsoft.com/office/drawing/2014/main" id="{912C3109-35F3-97D3-C3B6-A1F27729C6F4}"/>
+              </a:ext>
+            </a:extLst>
+          </p:cNvPr>
+          <p:cNvPicPr>
+            <a:picLocks noChangeAspect="1"/>
+          </p:cNvPicPr>
+          <p:nvPr/>
+        </p:nvPicPr>
+        <p:blipFill>
+          <a:blip r:embed="rId4"/>
+          <a:stretch>
+            <a:fillRect/>
+          </a:stretch>
+        </p:blipFill>
+        <p:spPr>
+          <a:xfrm>
+            <a:off x="3965263" y="1853898"/>
+            <a:ext cx="2000529" cy="600159"/>
+          </a:xfrm>
+          <a:prstGeom prst="rect">
+            <a:avLst/>
+          </a:prstGeom>
+        </p:spPr>
+      </p:pic>
+      <p:sp>
+        <p:nvSpPr>
+          <p:cNvPr id="29" name="TextBox 28">
+            <a:extLst>
+              <a:ext uri="{FF2B5EF4-FFF2-40B4-BE49-F238E27FC236}">
+                <a16:creationId xmlns:a16="http://schemas.microsoft.com/office/drawing/2014/main" id="{2F940C22-08E2-E8DB-6AF9-E40BCF373D3B}"/>
+              </a:ext>
+            </a:extLst>
+          </p:cNvPr>
+          <p:cNvSpPr txBox="1"/>
+          <p:nvPr/>
+        </p:nvSpPr>
+        <p:spPr>
+          <a:xfrm>
+            <a:off x="702285" y="2454057"/>
+            <a:ext cx="4808175" cy="800219"/>
+          </a:xfrm>
+          <a:prstGeom prst="rect">
+            <a:avLst/>
+          </a:prstGeom>
+          <a:noFill/>
+        </p:spPr>
+        <p:txBody>
+          <a:bodyPr wrap="square" rtlCol="0">
+            <a:spAutoFit/>
+          </a:bodyPr>
+          <a:lstStyle/>
+          <a:p>
+            <a:r>
+              <a:rPr lang="en-US" altLang="ko-KR" sz="1300" b="1" dirty="0">
+                <a:latin typeface="Noto Sans" panose="020B0502040504020204" pitchFamily="34" charset="0"/>
+                <a:ea typeface="Noto Sans" panose="020B0502040504020204" pitchFamily="34" charset="0"/>
+                <a:cs typeface="Noto Sans" panose="020B0502040504020204" pitchFamily="34" charset="0"/>
+              </a:rPr>
+              <a:t>3. </a:t>
+            </a:r>
+            <a:r>
+              <a:rPr lang="ko-KR" altLang="en-US" sz="1300" b="1" dirty="0">
+                <a:latin typeface="Noto Sans" panose="020B0502040504020204" pitchFamily="34" charset="0"/>
+                <a:cs typeface="Noto Sans" panose="020B0502040504020204" pitchFamily="34" charset="0"/>
+              </a:rPr>
+              <a:t>빈도 기반 샘플링</a:t>
+            </a:r>
+            <a:r>
+              <a:rPr lang="en-US" altLang="ko-KR" sz="1300" b="1" dirty="0">
+                <a:latin typeface="Noto Sans" panose="020B0502040504020204" pitchFamily="34" charset="0"/>
+                <a:ea typeface="Noto Sans" panose="020B0502040504020204" pitchFamily="34" charset="0"/>
+                <a:cs typeface="Noto Sans" panose="020B0502040504020204" pitchFamily="34" charset="0"/>
+              </a:rPr>
+              <a:t>(Frequency-based Negative Sampling)</a:t>
+            </a:r>
+            <a:br>
+              <a:rPr lang="en-US" altLang="ko-KR" sz="1300" b="1" dirty="0">
+                <a:latin typeface="Noto Sans" panose="020B0502040504020204" pitchFamily="34" charset="0"/>
+                <a:ea typeface="Noto Sans" panose="020B0502040504020204" pitchFamily="34" charset="0"/>
+                <a:cs typeface="Noto Sans" panose="020B0502040504020204" pitchFamily="34" charset="0"/>
+              </a:rPr>
+            </a:br>
+            <a:r>
+              <a:rPr lang="en-US" altLang="ko-KR" sz="1100" dirty="0">
+                <a:latin typeface="Noto Sans" panose="020B0502040504020204" pitchFamily="34" charset="0"/>
+                <a:ea typeface="Noto Sans" panose="020B0502040504020204" pitchFamily="34" charset="0"/>
+                <a:cs typeface="Noto Sans" panose="020B0502040504020204" pitchFamily="34" charset="0"/>
+              </a:rPr>
+              <a:t>- </a:t>
+            </a:r>
+            <a:r>
+              <a:rPr lang="ko-KR" altLang="en-US" sz="1100" dirty="0">
+                <a:latin typeface="Noto Sans" panose="020B0502040504020204" pitchFamily="34" charset="0"/>
+                <a:cs typeface="Noto Sans" panose="020B0502040504020204" pitchFamily="34" charset="0"/>
+              </a:rPr>
+              <a:t>특정 빈도 이하의 단어를 일정 확률로 무시 또는 제거하는 방식</a:t>
+            </a:r>
+            <a:br>
+              <a:rPr lang="en-US" altLang="ko-KR" sz="1100" dirty="0">
+                <a:latin typeface="Noto Sans" panose="020B0502040504020204" pitchFamily="34" charset="0"/>
+                <a:ea typeface="Noto Sans" panose="020B0502040504020204" pitchFamily="34" charset="0"/>
+                <a:cs typeface="Noto Sans" panose="020B0502040504020204" pitchFamily="34" charset="0"/>
+              </a:rPr>
+            </a:br>
+            <a:r>
+              <a:rPr lang="en-US" altLang="ko-KR" sz="1100" dirty="0">
+                <a:latin typeface="Noto Sans" panose="020B0502040504020204" pitchFamily="34" charset="0"/>
+                <a:ea typeface="Noto Sans" panose="020B0502040504020204" pitchFamily="34" charset="0"/>
+                <a:cs typeface="Noto Sans" panose="020B0502040504020204" pitchFamily="34" charset="0"/>
+              </a:rPr>
+              <a:t>- </a:t>
+            </a:r>
+            <a:r>
+              <a:rPr lang="ko-KR" altLang="en-US" sz="1100" dirty="0" err="1">
+                <a:latin typeface="Noto Sans" panose="020B0502040504020204" pitchFamily="34" charset="0"/>
+                <a:cs typeface="Noto Sans" panose="020B0502040504020204" pitchFamily="34" charset="0"/>
+              </a:rPr>
+              <a:t>저빈도</a:t>
+            </a:r>
+            <a:r>
+              <a:rPr lang="ko-KR" altLang="en-US" sz="1100" dirty="0">
+                <a:latin typeface="Noto Sans" panose="020B0502040504020204" pitchFamily="34" charset="0"/>
+                <a:cs typeface="Noto Sans" panose="020B0502040504020204" pitchFamily="34" charset="0"/>
+              </a:rPr>
+              <a:t> 단어가 적게 학습되는 문제 방지</a:t>
+            </a:r>
+            <a:br>
+              <a:rPr lang="en-US" altLang="ko-KR" sz="1100" dirty="0">
+                <a:latin typeface="Noto Sans" panose="020B0502040504020204" pitchFamily="34" charset="0"/>
+                <a:ea typeface="Noto Sans" panose="020B0502040504020204" pitchFamily="34" charset="0"/>
+                <a:cs typeface="Noto Sans" panose="020B0502040504020204" pitchFamily="34" charset="0"/>
+              </a:rPr>
+            </a:br>
+            <a:r>
+              <a:rPr lang="en-US" altLang="ko-KR" sz="1100" dirty="0">
+                <a:latin typeface="Noto Sans" panose="020B0502040504020204" pitchFamily="34" charset="0"/>
+                <a:ea typeface="Noto Sans" panose="020B0502040504020204" pitchFamily="34" charset="0"/>
+                <a:cs typeface="Noto Sans" panose="020B0502040504020204" pitchFamily="34" charset="0"/>
+              </a:rPr>
+              <a:t>- </a:t>
+            </a:r>
+            <a:r>
+              <a:rPr lang="ko-KR" altLang="en-US" sz="1100" dirty="0" err="1">
+                <a:latin typeface="Noto Sans" panose="020B0502040504020204" pitchFamily="34" charset="0"/>
+                <a:cs typeface="Noto Sans" panose="020B0502040504020204" pitchFamily="34" charset="0"/>
+              </a:rPr>
+              <a:t>고빈도</a:t>
+            </a:r>
+            <a:r>
+              <a:rPr lang="ko-KR" altLang="en-US" sz="1100" dirty="0">
+                <a:latin typeface="Noto Sans" panose="020B0502040504020204" pitchFamily="34" charset="0"/>
+                <a:cs typeface="Noto Sans" panose="020B0502040504020204" pitchFamily="34" charset="0"/>
+              </a:rPr>
+              <a:t> 단어의 과적합을 막음</a:t>
+            </a:r>
+            <a:endParaRPr lang="ko-KR" altLang="en-US" sz="1100" b="1" dirty="0">
+              <a:latin typeface="Noto Sans" panose="020B0502040504020204" pitchFamily="34" charset="0"/>
+              <a:cs typeface="Noto Sans" panose="020B0502040504020204" pitchFamily="34" charset="0"/>
+            </a:endParaRPr>
+          </a:p>
+        </p:txBody>
+      </p:sp>
+      <p:sp>
+        <p:nvSpPr>
+          <p:cNvPr id="30" name="TextBox 29">
+            <a:extLst>
+              <a:ext uri="{FF2B5EF4-FFF2-40B4-BE49-F238E27FC236}">
+                <a16:creationId xmlns:a16="http://schemas.microsoft.com/office/drawing/2014/main" id="{98F1CC88-2E64-BBFF-8755-D3B3A46958F8}"/>
+              </a:ext>
+            </a:extLst>
+          </p:cNvPr>
+          <p:cNvSpPr txBox="1"/>
+          <p:nvPr/>
+        </p:nvSpPr>
+        <p:spPr>
+          <a:xfrm>
+            <a:off x="702284" y="3266308"/>
+            <a:ext cx="5698516" cy="800219"/>
+          </a:xfrm>
+          <a:prstGeom prst="rect">
+            <a:avLst/>
+          </a:prstGeom>
+          <a:noFill/>
+        </p:spPr>
+        <p:txBody>
+          <a:bodyPr wrap="square" rtlCol="0">
+            <a:spAutoFit/>
+          </a:bodyPr>
+          <a:lstStyle/>
+          <a:p>
+            <a:r>
+              <a:rPr lang="en-US" altLang="ko-KR" sz="1300" b="1" dirty="0">
+                <a:latin typeface="Noto Sans" panose="020B0502040504020204" pitchFamily="34" charset="0"/>
+                <a:ea typeface="Noto Sans" panose="020B0502040504020204" pitchFamily="34" charset="0"/>
+                <a:cs typeface="Noto Sans" panose="020B0502040504020204" pitchFamily="34" charset="0"/>
+              </a:rPr>
+              <a:t>4. </a:t>
+            </a:r>
+            <a:r>
+              <a:rPr lang="ko-KR" altLang="en-US" sz="1300" b="1" dirty="0">
+                <a:latin typeface="Noto Sans" panose="020B0502040504020204" pitchFamily="34" charset="0"/>
+                <a:cs typeface="Noto Sans" panose="020B0502040504020204" pitchFamily="34" charset="0"/>
+              </a:rPr>
+              <a:t>노이즈 대비 샘플링</a:t>
+            </a:r>
+            <a:r>
+              <a:rPr lang="en-US" altLang="ko-KR" sz="1300" b="1" dirty="0">
+                <a:latin typeface="Noto Sans" panose="020B0502040504020204" pitchFamily="34" charset="0"/>
+                <a:ea typeface="Noto Sans" panose="020B0502040504020204" pitchFamily="34" charset="0"/>
+                <a:cs typeface="Noto Sans" panose="020B0502040504020204" pitchFamily="34" charset="0"/>
+              </a:rPr>
+              <a:t>(Noise Contrastive Estimation Sampling)</a:t>
+            </a:r>
+            <a:br>
+              <a:rPr lang="en-US" altLang="ko-KR" sz="1300" b="1" dirty="0">
+                <a:latin typeface="Noto Sans" panose="020B0502040504020204" pitchFamily="34" charset="0"/>
+                <a:ea typeface="Noto Sans" panose="020B0502040504020204" pitchFamily="34" charset="0"/>
+                <a:cs typeface="Noto Sans" panose="020B0502040504020204" pitchFamily="34" charset="0"/>
+              </a:rPr>
+            </a:br>
+            <a:r>
+              <a:rPr lang="en-US" altLang="ko-KR" sz="1100" dirty="0">
+                <a:latin typeface="Noto Sans" panose="020B0502040504020204" pitchFamily="34" charset="0"/>
+                <a:ea typeface="Noto Sans" panose="020B0502040504020204" pitchFamily="34" charset="0"/>
+                <a:cs typeface="Noto Sans" panose="020B0502040504020204" pitchFamily="34" charset="0"/>
+              </a:rPr>
+              <a:t>- </a:t>
+            </a:r>
+            <a:r>
+              <a:rPr lang="ko-KR" altLang="en-US" sz="1100" dirty="0">
+                <a:latin typeface="Noto Sans" panose="020B0502040504020204" pitchFamily="34" charset="0"/>
+                <a:cs typeface="Noto Sans" panose="020B0502040504020204" pitchFamily="34" charset="0"/>
+              </a:rPr>
+              <a:t>진짜 데이터와 가짜 데이터를 구별하도록 확률 모델을 학습하는 방법 </a:t>
+            </a:r>
+            <a:br>
+              <a:rPr lang="en-US" altLang="ko-KR" sz="1100" dirty="0">
+                <a:latin typeface="Noto Sans" panose="020B0502040504020204" pitchFamily="34" charset="0"/>
+                <a:ea typeface="Noto Sans" panose="020B0502040504020204" pitchFamily="34" charset="0"/>
+                <a:cs typeface="Noto Sans" panose="020B0502040504020204" pitchFamily="34" charset="0"/>
+              </a:rPr>
+            </a:br>
+            <a:r>
+              <a:rPr lang="en-US" altLang="ko-KR" sz="1100" dirty="0">
+                <a:latin typeface="Noto Sans" panose="020B0502040504020204" pitchFamily="34" charset="0"/>
+                <a:ea typeface="Noto Sans" panose="020B0502040504020204" pitchFamily="34" charset="0"/>
+                <a:cs typeface="Noto Sans" panose="020B0502040504020204" pitchFamily="34" charset="0"/>
+              </a:rPr>
+              <a:t>- </a:t>
+            </a:r>
+            <a:r>
+              <a:rPr lang="ko-KR" altLang="en-US" sz="1100" dirty="0">
+                <a:latin typeface="Noto Sans" panose="020B0502040504020204" pitchFamily="34" charset="0"/>
+                <a:cs typeface="Noto Sans" panose="020B0502040504020204" pitchFamily="34" charset="0"/>
+              </a:rPr>
+              <a:t>일반적인 네거티브 샘플링보다 더 정교하게 샘플링 수행</a:t>
+            </a:r>
+            <a:br>
+              <a:rPr lang="en-US" altLang="ko-KR" sz="1100" dirty="0">
+                <a:latin typeface="Noto Sans" panose="020B0502040504020204" pitchFamily="34" charset="0"/>
+                <a:ea typeface="Noto Sans" panose="020B0502040504020204" pitchFamily="34" charset="0"/>
+                <a:cs typeface="Noto Sans" panose="020B0502040504020204" pitchFamily="34" charset="0"/>
+              </a:rPr>
+            </a:br>
+            <a:r>
+              <a:rPr lang="en-US" altLang="ko-KR" sz="1100" dirty="0">
+                <a:latin typeface="Noto Sans" panose="020B0502040504020204" pitchFamily="34" charset="0"/>
+                <a:ea typeface="Noto Sans" panose="020B0502040504020204" pitchFamily="34" charset="0"/>
+                <a:cs typeface="Noto Sans" panose="020B0502040504020204" pitchFamily="34" charset="0"/>
+              </a:rPr>
+              <a:t>- </a:t>
+            </a:r>
+            <a:r>
+              <a:rPr lang="ko-KR" altLang="en-US" sz="1100" dirty="0" err="1">
+                <a:latin typeface="Noto Sans" panose="020B0502040504020204" pitchFamily="34" charset="0"/>
+                <a:cs typeface="Noto Sans" panose="020B0502040504020204" pitchFamily="34" charset="0"/>
+              </a:rPr>
+              <a:t>계산량이</a:t>
+            </a:r>
+            <a:r>
+              <a:rPr lang="ko-KR" altLang="en-US" sz="1100" dirty="0">
+                <a:latin typeface="Noto Sans" panose="020B0502040504020204" pitchFamily="34" charset="0"/>
+                <a:cs typeface="Noto Sans" panose="020B0502040504020204" pitchFamily="34" charset="0"/>
+              </a:rPr>
+              <a:t> 많아지는 단점 존재</a:t>
+            </a:r>
+            <a:endParaRPr lang="ko-KR" altLang="en-US" sz="1100" b="1" dirty="0">
+              <a:latin typeface="Noto Sans" panose="020B0502040504020204" pitchFamily="34" charset="0"/>
+              <a:cs typeface="Noto Sans" panose="020B0502040504020204" pitchFamily="34" charset="0"/>
+            </a:endParaRPr>
+          </a:p>
+        </p:txBody>
+      </p:sp>
+      <p:sp>
+        <p:nvSpPr>
+          <p:cNvPr id="31" name="TextBox 30">
+            <a:extLst>
+              <a:ext uri="{FF2B5EF4-FFF2-40B4-BE49-F238E27FC236}">
+                <a16:creationId xmlns:a16="http://schemas.microsoft.com/office/drawing/2014/main" id="{4BB3EA94-4A55-F3DE-9895-2C285EE1672B}"/>
+              </a:ext>
+            </a:extLst>
+          </p:cNvPr>
+          <p:cNvSpPr txBox="1"/>
+          <p:nvPr/>
+        </p:nvSpPr>
+        <p:spPr>
+          <a:xfrm>
+            <a:off x="702283" y="4066527"/>
+            <a:ext cx="4808175" cy="630942"/>
+          </a:xfrm>
+          <a:prstGeom prst="rect">
+            <a:avLst/>
+          </a:prstGeom>
+          <a:noFill/>
+        </p:spPr>
+        <p:txBody>
+          <a:bodyPr wrap="square" rtlCol="0">
+            <a:spAutoFit/>
+          </a:bodyPr>
+          <a:lstStyle/>
+          <a:p>
+            <a:r>
+              <a:rPr lang="en-US" altLang="ko-KR" sz="1300" b="1" dirty="0">
+                <a:latin typeface="Noto Sans" panose="020B0502040504020204" pitchFamily="34" charset="0"/>
+                <a:ea typeface="Noto Sans" panose="020B0502040504020204" pitchFamily="34" charset="0"/>
+                <a:cs typeface="Noto Sans" panose="020B0502040504020204" pitchFamily="34" charset="0"/>
+              </a:rPr>
+              <a:t>5. </a:t>
+            </a:r>
+            <a:r>
+              <a:rPr lang="ko-KR" altLang="en-US" sz="1300" b="1" dirty="0">
+                <a:latin typeface="Noto Sans" panose="020B0502040504020204" pitchFamily="34" charset="0"/>
+                <a:cs typeface="Noto Sans" panose="020B0502040504020204" pitchFamily="34" charset="0"/>
+              </a:rPr>
+              <a:t>중요도 샘플링</a:t>
+            </a:r>
+            <a:r>
+              <a:rPr lang="en-US" altLang="ko-KR" sz="1300" b="1" dirty="0">
+                <a:latin typeface="Noto Sans" panose="020B0502040504020204" pitchFamily="34" charset="0"/>
+                <a:ea typeface="Noto Sans" panose="020B0502040504020204" pitchFamily="34" charset="0"/>
+                <a:cs typeface="Noto Sans" panose="020B0502040504020204" pitchFamily="34" charset="0"/>
+              </a:rPr>
+              <a:t> (Importance Sampling)</a:t>
+            </a:r>
+            <a:br>
+              <a:rPr lang="en-US" altLang="ko-KR" sz="1300" b="1" dirty="0">
+                <a:latin typeface="Noto Sans" panose="020B0502040504020204" pitchFamily="34" charset="0"/>
+                <a:ea typeface="Noto Sans" panose="020B0502040504020204" pitchFamily="34" charset="0"/>
+                <a:cs typeface="Noto Sans" panose="020B0502040504020204" pitchFamily="34" charset="0"/>
+              </a:rPr>
+            </a:br>
+            <a:r>
+              <a:rPr lang="en-US" altLang="ko-KR" sz="1100" dirty="0">
+                <a:latin typeface="Noto Sans" panose="020B0502040504020204" pitchFamily="34" charset="0"/>
+                <a:ea typeface="Noto Sans" panose="020B0502040504020204" pitchFamily="34" charset="0"/>
+                <a:cs typeface="Noto Sans" panose="020B0502040504020204" pitchFamily="34" charset="0"/>
+              </a:rPr>
+              <a:t>- </a:t>
+            </a:r>
+            <a:r>
+              <a:rPr lang="ko-KR" altLang="en-US" sz="1100" dirty="0">
+                <a:latin typeface="Noto Sans" panose="020B0502040504020204" pitchFamily="34" charset="0"/>
+                <a:cs typeface="Noto Sans" panose="020B0502040504020204" pitchFamily="34" charset="0"/>
+              </a:rPr>
+              <a:t>어떤 단어가 중요한지 고려하여 가중치를 부여하는 방식</a:t>
+            </a:r>
+            <a:endParaRPr lang="en-US" altLang="ko-KR" sz="1100" dirty="0">
+              <a:latin typeface="Noto Sans" panose="020B0502040504020204" pitchFamily="34" charset="0"/>
+              <a:ea typeface="Noto Sans" panose="020B0502040504020204" pitchFamily="34" charset="0"/>
+              <a:cs typeface="Noto Sans" panose="020B0502040504020204" pitchFamily="34" charset="0"/>
+            </a:endParaRPr>
+          </a:p>
+          <a:p>
+            <a:r>
+              <a:rPr lang="en-US" altLang="ko-KR" sz="1100" dirty="0">
+                <a:latin typeface="Noto Sans" panose="020B0502040504020204" pitchFamily="34" charset="0"/>
+                <a:ea typeface="Noto Sans" panose="020B0502040504020204" pitchFamily="34" charset="0"/>
+                <a:cs typeface="Noto Sans" panose="020B0502040504020204" pitchFamily="34" charset="0"/>
+              </a:rPr>
+              <a:t>- </a:t>
+            </a:r>
+            <a:r>
+              <a:rPr lang="ko-KR" altLang="en-US" sz="1100" dirty="0">
+                <a:latin typeface="Noto Sans" panose="020B0502040504020204" pitchFamily="34" charset="0"/>
+                <a:cs typeface="Noto Sans" panose="020B0502040504020204" pitchFamily="34" charset="0"/>
+              </a:rPr>
+              <a:t>특정 도메인에서는 중요한 단어를 더 많이 포함하도록 조정 가능</a:t>
+            </a:r>
+          </a:p>
+        </p:txBody>
+      </p:sp>
+    </p:spTree>
+    <p:extLst>
+      <p:ext uri="{BB962C8B-B14F-4D97-AF65-F5344CB8AC3E}">
+        <p14:creationId xmlns:p14="http://schemas.microsoft.com/office/powerpoint/2010/main" val="964896481"/>
+      </p:ext>
+    </p:extLst>
+  </p:cSld>
+  <p:clrMapOvr>
+    <a:masterClrMapping/>
+  </p:clrMapOvr>
+</p:sld>
+</file>
+
+<file path=ppt/slides/slide31.xml><?xml version="1.0" encoding="utf-8"?>
+<p:sld xmlns:a="http://schemas.openxmlformats.org/drawingml/2006/main" xmlns:r="http://schemas.openxmlformats.org/officeDocument/2006/relationships" xmlns:p="http://schemas.openxmlformats.org/presentationml/2006/main">
+  <p:cSld>
+    <p:spTree>
+      <p:nvGrpSpPr>
+        <p:cNvPr id="1" name="Shape 206">
+          <a:extLst>
+            <a:ext uri="{FF2B5EF4-FFF2-40B4-BE49-F238E27FC236}">
+              <a16:creationId xmlns:a16="http://schemas.microsoft.com/office/drawing/2014/main" id="{4893849B-5FC5-A0F6-0F5E-830DA00BDF74}"/>
+            </a:ext>
+          </a:extLst>
+        </p:cNvPr>
+        <p:cNvGrpSpPr/>
+        <p:nvPr/>
+      </p:nvGrpSpPr>
+      <p:grpSpPr>
+        <a:xfrm>
+          <a:off x="0" y="0"/>
+          <a:ext cx="0" cy="0"/>
+          <a:chOff x="0" y="0"/>
+          <a:chExt cx="0" cy="0"/>
+        </a:xfrm>
+      </p:grpSpPr>
+      <p:pic>
+        <p:nvPicPr>
+          <p:cNvPr id="14" name="그림 13">
+            <a:extLst>
+              <a:ext uri="{FF2B5EF4-FFF2-40B4-BE49-F238E27FC236}">
+                <a16:creationId xmlns:a16="http://schemas.microsoft.com/office/drawing/2014/main" id="{55ECCB0F-B0E0-288D-E103-C6050DAB143B}"/>
+              </a:ext>
+            </a:extLst>
+          </p:cNvPr>
+          <p:cNvPicPr>
+            <a:picLocks noChangeAspect="1"/>
+          </p:cNvPicPr>
+          <p:nvPr/>
+        </p:nvPicPr>
+        <p:blipFill>
+          <a:blip r:embed="rId3"/>
+          <a:stretch>
+            <a:fillRect/>
+          </a:stretch>
+        </p:blipFill>
+        <p:spPr>
+          <a:xfrm>
+            <a:off x="36127" y="4862261"/>
+            <a:ext cx="1960963" cy="228019"/>
+          </a:xfrm>
+          <a:prstGeom prst="rect">
+            <a:avLst/>
+          </a:prstGeom>
+        </p:spPr>
+      </p:pic>
+      <p:sp>
+        <p:nvSpPr>
+          <p:cNvPr id="15" name="TextBox 14">
+            <a:extLst>
+              <a:ext uri="{FF2B5EF4-FFF2-40B4-BE49-F238E27FC236}">
+                <a16:creationId xmlns:a16="http://schemas.microsoft.com/office/drawing/2014/main" id="{354D7731-3FF6-364A-E79B-AE10FCF4894F}"/>
+              </a:ext>
+            </a:extLst>
+          </p:cNvPr>
+          <p:cNvSpPr txBox="1"/>
+          <p:nvPr/>
+        </p:nvSpPr>
+        <p:spPr>
+          <a:xfrm>
+            <a:off x="8705013" y="4761580"/>
+            <a:ext cx="383438" cy="307777"/>
+          </a:xfrm>
+          <a:prstGeom prst="rect">
+            <a:avLst/>
+          </a:prstGeom>
+          <a:noFill/>
+        </p:spPr>
+        <p:txBody>
+          <a:bodyPr wrap="none" rtlCol="0">
+            <a:spAutoFit/>
+          </a:bodyPr>
+          <a:lstStyle/>
+          <a:p>
+            <a:r>
+              <a:rPr lang="en-US" altLang="ko-KR" b="1" dirty="0">
+                <a:latin typeface="+mj-lt"/>
+                <a:ea typeface="Noto Sans" panose="020B0502040504020204" pitchFamily="34" charset="0"/>
+                <a:cs typeface="Noto Sans" panose="020B0502040504020204" pitchFamily="34" charset="0"/>
+              </a:rPr>
+              <a:t>31</a:t>
+            </a:r>
+          </a:p>
+        </p:txBody>
+      </p:sp>
+      <p:sp>
+        <p:nvSpPr>
+          <p:cNvPr id="5" name="TextBox 4">
+            <a:extLst>
+              <a:ext uri="{FF2B5EF4-FFF2-40B4-BE49-F238E27FC236}">
+                <a16:creationId xmlns:a16="http://schemas.microsoft.com/office/drawing/2014/main" id="{7DD37EE1-C511-0585-D12C-F3B10B3C3679}"/>
+              </a:ext>
+            </a:extLst>
+          </p:cNvPr>
+          <p:cNvSpPr txBox="1"/>
+          <p:nvPr/>
+        </p:nvSpPr>
+        <p:spPr>
+          <a:xfrm>
+            <a:off x="73666" y="84879"/>
+            <a:ext cx="5880094" cy="307777"/>
+          </a:xfrm>
+          <a:prstGeom prst="rect">
+            <a:avLst/>
+          </a:prstGeom>
+          <a:noFill/>
+        </p:spPr>
+        <p:txBody>
+          <a:bodyPr wrap="square" rtlCol="0">
+            <a:spAutoFit/>
+          </a:bodyPr>
+          <a:lstStyle/>
+          <a:p>
+            <a:r>
+              <a:rPr lang="en-US" altLang="ko-KR" b="1" dirty="0">
+                <a:latin typeface="+mj-lt"/>
+                <a:cs typeface="Noto Sans" panose="020B0502040504020204" pitchFamily="34" charset="0"/>
+              </a:rPr>
+              <a:t>Appendix</a:t>
+            </a:r>
+            <a:endParaRPr lang="ko-KR" altLang="en-US" b="1" dirty="0">
+              <a:latin typeface="+mj-lt"/>
+              <a:cs typeface="Noto Sans" panose="020B0502040504020204" pitchFamily="34" charset="0"/>
+            </a:endParaRPr>
+          </a:p>
+        </p:txBody>
+      </p:sp>
+      <p:sp>
+        <p:nvSpPr>
+          <p:cNvPr id="16" name="TextBox 15">
+            <a:extLst>
+              <a:ext uri="{FF2B5EF4-FFF2-40B4-BE49-F238E27FC236}">
+                <a16:creationId xmlns:a16="http://schemas.microsoft.com/office/drawing/2014/main" id="{464FD912-CCAB-C9E5-A9CA-A64FFD08ACDF}"/>
+              </a:ext>
+            </a:extLst>
+          </p:cNvPr>
+          <p:cNvSpPr txBox="1"/>
+          <p:nvPr/>
+        </p:nvSpPr>
+        <p:spPr>
+          <a:xfrm>
+            <a:off x="702288" y="585633"/>
+            <a:ext cx="3190323" cy="338554"/>
+          </a:xfrm>
+          <a:prstGeom prst="rect">
+            <a:avLst/>
+          </a:prstGeom>
+          <a:noFill/>
+        </p:spPr>
+        <p:txBody>
+          <a:bodyPr wrap="square" rtlCol="0">
+            <a:spAutoFit/>
+          </a:bodyPr>
+          <a:lstStyle/>
+          <a:p>
+            <a:r>
+              <a:rPr lang="en-US" altLang="ko-KR" sz="1600" b="1" dirty="0" err="1">
+                <a:latin typeface="+mj-lt"/>
+                <a:cs typeface="Noto Sans" panose="020B0502040504020204" pitchFamily="34" charset="0"/>
+              </a:rPr>
+              <a:t>BERTScore</a:t>
+            </a:r>
+            <a:endParaRPr lang="ko-KR" altLang="en-US" sz="1600" b="1" dirty="0">
+              <a:latin typeface="+mj-lt"/>
+              <a:cs typeface="Noto Sans" panose="020B0502040504020204" pitchFamily="34" charset="0"/>
+            </a:endParaRPr>
+          </a:p>
+        </p:txBody>
+      </p:sp>
+      <p:sp>
+        <p:nvSpPr>
+          <p:cNvPr id="2" name="TextBox 1">
+            <a:extLst>
+              <a:ext uri="{FF2B5EF4-FFF2-40B4-BE49-F238E27FC236}">
+                <a16:creationId xmlns:a16="http://schemas.microsoft.com/office/drawing/2014/main" id="{1732B051-A819-94E2-6343-7AED1698DF5B}"/>
+              </a:ext>
+            </a:extLst>
+          </p:cNvPr>
+          <p:cNvSpPr txBox="1"/>
+          <p:nvPr/>
+        </p:nvSpPr>
+        <p:spPr>
+          <a:xfrm>
+            <a:off x="714593" y="718814"/>
+            <a:ext cx="6316731" cy="317587"/>
+          </a:xfrm>
+          <a:prstGeom prst="rect">
+            <a:avLst/>
+          </a:prstGeom>
+          <a:noFill/>
+        </p:spPr>
+        <p:txBody>
+          <a:bodyPr wrap="square" rtlCol="0">
+            <a:spAutoFit/>
+          </a:bodyPr>
+          <a:lstStyle/>
+          <a:p>
+            <a:pPr algn="l">
+              <a:lnSpc>
+                <a:spcPts val="2099"/>
+              </a:lnSpc>
+              <a:spcAft>
+                <a:spcPts val="900"/>
+              </a:spcAft>
+            </a:pPr>
+            <a:r>
+              <a:rPr lang="en-US" altLang="ko-KR" sz="700" i="0" dirty="0" err="1">
+                <a:solidFill>
+                  <a:srgbClr val="000000"/>
+                </a:solidFill>
+                <a:effectLst/>
+                <a:latin typeface="+mj-lt"/>
+              </a:rPr>
+              <a:t>BERTScore</a:t>
+            </a:r>
+            <a:r>
+              <a:rPr lang="en-US" altLang="ko-KR" sz="700" i="0" dirty="0">
+                <a:solidFill>
+                  <a:srgbClr val="000000"/>
+                </a:solidFill>
+                <a:effectLst/>
+                <a:latin typeface="+mj-lt"/>
+              </a:rPr>
+              <a:t>: Evaluating Text Generation with BERT(2019)</a:t>
+            </a:r>
+          </a:p>
+        </p:txBody>
+      </p:sp>
+      <p:sp>
+        <p:nvSpPr>
+          <p:cNvPr id="3" name="TextBox 2">
+            <a:extLst>
+              <a:ext uri="{FF2B5EF4-FFF2-40B4-BE49-F238E27FC236}">
+                <a16:creationId xmlns:a16="http://schemas.microsoft.com/office/drawing/2014/main" id="{4A52555A-EFCB-F1D9-A005-9FC01832FA19}"/>
+              </a:ext>
+            </a:extLst>
+          </p:cNvPr>
+          <p:cNvSpPr txBox="1"/>
+          <p:nvPr/>
+        </p:nvSpPr>
+        <p:spPr>
+          <a:xfrm>
+            <a:off x="830178" y="1088629"/>
+            <a:ext cx="6075947" cy="600164"/>
+          </a:xfrm>
+          <a:prstGeom prst="rect">
+            <a:avLst/>
+          </a:prstGeom>
+          <a:noFill/>
+        </p:spPr>
+        <p:txBody>
+          <a:bodyPr wrap="square" rtlCol="0">
+            <a:spAutoFit/>
+          </a:bodyPr>
+          <a:lstStyle/>
+          <a:p>
+            <a:r>
+              <a:rPr lang="en-US" altLang="ko-KR" sz="1100" dirty="0">
+                <a:latin typeface="+mj-lt"/>
+                <a:ea typeface="Noto Sans" panose="020B0502040504020204" pitchFamily="34" charset="0"/>
+                <a:cs typeface="Noto Sans" panose="020B0502040504020204" pitchFamily="34" charset="0"/>
+              </a:rPr>
+              <a:t>- </a:t>
+            </a:r>
+            <a:r>
+              <a:rPr lang="ko-KR" altLang="en-US" sz="1100" dirty="0">
+                <a:latin typeface="+mj-lt"/>
+                <a:ea typeface="Noto Sans" panose="020B0502040504020204" pitchFamily="34" charset="0"/>
+                <a:cs typeface="Noto Sans" panose="020B0502040504020204" pitchFamily="34" charset="0"/>
+              </a:rPr>
+              <a:t>사전 훈련된 </a:t>
+            </a:r>
+            <a:r>
+              <a:rPr lang="en-US" altLang="ko-KR" sz="1100" dirty="0">
+                <a:latin typeface="+mj-lt"/>
+                <a:ea typeface="Noto Sans" panose="020B0502040504020204" pitchFamily="34" charset="0"/>
+                <a:cs typeface="Noto Sans" panose="020B0502040504020204" pitchFamily="34" charset="0"/>
+              </a:rPr>
+              <a:t>BERT </a:t>
+            </a:r>
+            <a:r>
+              <a:rPr lang="ko-KR" altLang="en-US" sz="1100" dirty="0" err="1">
+                <a:latin typeface="+mj-lt"/>
+                <a:ea typeface="Noto Sans" panose="020B0502040504020204" pitchFamily="34" charset="0"/>
+                <a:cs typeface="Noto Sans" panose="020B0502040504020204" pitchFamily="34" charset="0"/>
+              </a:rPr>
+              <a:t>임베딩을</a:t>
+            </a:r>
+            <a:r>
+              <a:rPr lang="ko-KR" altLang="en-US" sz="1100" dirty="0">
+                <a:latin typeface="+mj-lt"/>
+                <a:ea typeface="Noto Sans" panose="020B0502040504020204" pitchFamily="34" charset="0"/>
+                <a:cs typeface="Noto Sans" panose="020B0502040504020204" pitchFamily="34" charset="0"/>
+              </a:rPr>
+              <a:t> 활용하여 문장 간 의미적 유사성을 평가하는 지표</a:t>
+            </a:r>
+            <a:br>
+              <a:rPr lang="en-US" altLang="ko-KR" sz="1100" dirty="0">
+                <a:latin typeface="+mj-lt"/>
+                <a:ea typeface="Noto Sans" panose="020B0502040504020204" pitchFamily="34" charset="0"/>
+                <a:cs typeface="Noto Sans" panose="020B0502040504020204" pitchFamily="34" charset="0"/>
+              </a:rPr>
+            </a:br>
+            <a:r>
+              <a:rPr lang="en-US" altLang="ko-KR" sz="1100" dirty="0">
+                <a:latin typeface="+mj-lt"/>
+                <a:ea typeface="Noto Sans" panose="020B0502040504020204" pitchFamily="34" charset="0"/>
+                <a:cs typeface="Noto Sans" panose="020B0502040504020204" pitchFamily="34" charset="0"/>
+              </a:rPr>
+              <a:t>- contexts</a:t>
+            </a:r>
+            <a:r>
+              <a:rPr lang="ko-KR" altLang="en-US" sz="1100" dirty="0">
+                <a:latin typeface="+mj-lt"/>
+                <a:ea typeface="Noto Sans" panose="020B0502040504020204" pitchFamily="34" charset="0"/>
+                <a:cs typeface="Noto Sans" panose="020B0502040504020204" pitchFamily="34" charset="0"/>
+              </a:rPr>
+              <a:t>와 </a:t>
+            </a:r>
+            <a:r>
+              <a:rPr lang="en-US" altLang="ko-KR" sz="1100" dirty="0">
+                <a:latin typeface="+mj-lt"/>
+                <a:ea typeface="Noto Sans" panose="020B0502040504020204" pitchFamily="34" charset="0"/>
+                <a:cs typeface="Noto Sans" panose="020B0502040504020204" pitchFamily="34" charset="0"/>
+              </a:rPr>
+              <a:t>semantics</a:t>
+            </a:r>
+            <a:r>
+              <a:rPr lang="ko-KR" altLang="en-US" sz="1100" dirty="0">
+                <a:latin typeface="+mj-lt"/>
+                <a:ea typeface="Noto Sans" panose="020B0502040504020204" pitchFamily="34" charset="0"/>
+                <a:cs typeface="Noto Sans" panose="020B0502040504020204" pitchFamily="34" charset="0"/>
+              </a:rPr>
+              <a:t>를 고려한 평가가 가능</a:t>
+            </a:r>
+            <a:endParaRPr lang="en-US" altLang="ko-KR" sz="1100" dirty="0">
+              <a:latin typeface="+mj-lt"/>
+              <a:ea typeface="Noto Sans" panose="020B0502040504020204" pitchFamily="34" charset="0"/>
+              <a:cs typeface="Noto Sans" panose="020B0502040504020204" pitchFamily="34" charset="0"/>
+            </a:endParaRPr>
+          </a:p>
+          <a:p>
+            <a:r>
+              <a:rPr lang="en-US" altLang="ko-KR" sz="1100" dirty="0">
+                <a:latin typeface="+mj-lt"/>
+                <a:ea typeface="Noto Sans" panose="020B0502040504020204" pitchFamily="34" charset="0"/>
+                <a:cs typeface="Noto Sans" panose="020B0502040504020204" pitchFamily="34" charset="0"/>
+              </a:rPr>
+              <a:t>- </a:t>
+            </a:r>
+            <a:r>
+              <a:rPr lang="ko-KR" altLang="en-US" sz="1100" dirty="0" err="1">
+                <a:latin typeface="+mj-lt"/>
+                <a:ea typeface="Noto Sans" panose="020B0502040504020204" pitchFamily="34" charset="0"/>
+                <a:cs typeface="Noto Sans" panose="020B0502040504020204" pitchFamily="34" charset="0"/>
+              </a:rPr>
+              <a:t>퍼플렉서티와</a:t>
+            </a:r>
+            <a:r>
+              <a:rPr lang="ko-KR" altLang="en-US" sz="1100" dirty="0">
+                <a:latin typeface="+mj-lt"/>
+                <a:ea typeface="Noto Sans" panose="020B0502040504020204" pitchFamily="34" charset="0"/>
+                <a:cs typeface="Noto Sans" panose="020B0502040504020204" pitchFamily="34" charset="0"/>
+              </a:rPr>
+              <a:t> 함께 사용하면 모델의 확률적 성능에 더해 의미적 자연스러움까지 평가</a:t>
+            </a:r>
+            <a:endParaRPr lang="en-US" altLang="ko-KR" sz="1100" dirty="0">
+              <a:latin typeface="+mj-lt"/>
+              <a:ea typeface="Noto Sans" panose="020B0502040504020204" pitchFamily="34" charset="0"/>
+              <a:cs typeface="Noto Sans" panose="020B0502040504020204" pitchFamily="34" charset="0"/>
+            </a:endParaRPr>
+          </a:p>
+        </p:txBody>
+      </p:sp>
+      <p:sp>
+        <p:nvSpPr>
+          <p:cNvPr id="4" name="TextBox 3">
+            <a:extLst>
+              <a:ext uri="{FF2B5EF4-FFF2-40B4-BE49-F238E27FC236}">
+                <a16:creationId xmlns:a16="http://schemas.microsoft.com/office/drawing/2014/main" id="{898DB076-440E-BA9B-D2AA-8B4E6B065A9F}"/>
+              </a:ext>
+            </a:extLst>
+          </p:cNvPr>
+          <p:cNvSpPr txBox="1"/>
+          <p:nvPr/>
+        </p:nvSpPr>
+        <p:spPr>
+          <a:xfrm>
+            <a:off x="1296417" y="3067847"/>
+            <a:ext cx="1401346" cy="307777"/>
+          </a:xfrm>
+          <a:prstGeom prst="rect">
+            <a:avLst/>
+          </a:prstGeom>
+          <a:noFill/>
+          <a:ln>
+            <a:solidFill>
+              <a:schemeClr val="accent1"/>
+            </a:solidFill>
+          </a:ln>
+        </p:spPr>
+        <p:txBody>
+          <a:bodyPr wrap="none" rtlCol="0">
+            <a:spAutoFit/>
+          </a:bodyPr>
+          <a:lstStyle/>
+          <a:p>
+            <a:r>
+              <a:rPr lang="ko-KR" altLang="en-US" dirty="0">
+                <a:latin typeface="+mj-lt"/>
+              </a:rPr>
+              <a:t>난 너를 좋아해 </a:t>
+            </a:r>
+          </a:p>
+        </p:txBody>
+      </p:sp>
+      <p:sp>
+        <p:nvSpPr>
+          <p:cNvPr id="8" name="TextBox 7">
+            <a:extLst>
+              <a:ext uri="{FF2B5EF4-FFF2-40B4-BE49-F238E27FC236}">
+                <a16:creationId xmlns:a16="http://schemas.microsoft.com/office/drawing/2014/main" id="{5C0F4313-215B-1065-F864-FB8F1A14DDB2}"/>
+              </a:ext>
+            </a:extLst>
+          </p:cNvPr>
+          <p:cNvSpPr txBox="1"/>
+          <p:nvPr/>
+        </p:nvSpPr>
+        <p:spPr>
+          <a:xfrm>
+            <a:off x="3401109" y="3062999"/>
+            <a:ext cx="1580882" cy="307777"/>
+          </a:xfrm>
+          <a:prstGeom prst="rect">
+            <a:avLst/>
+          </a:prstGeom>
+          <a:noFill/>
+          <a:ln>
+            <a:solidFill>
+              <a:schemeClr val="accent1"/>
+            </a:solidFill>
+          </a:ln>
+        </p:spPr>
+        <p:txBody>
+          <a:bodyPr wrap="none" rtlCol="0">
+            <a:spAutoFit/>
+          </a:bodyPr>
+          <a:lstStyle/>
+          <a:p>
+            <a:r>
+              <a:rPr lang="ko-KR" altLang="en-US" dirty="0">
+                <a:latin typeface="+mj-lt"/>
+              </a:rPr>
+              <a:t>나는 너를 좋아해 </a:t>
+            </a:r>
+          </a:p>
+        </p:txBody>
+      </p:sp>
+      <p:cxnSp>
+        <p:nvCxnSpPr>
+          <p:cNvPr id="9" name="직선 화살표 연결선 8">
+            <a:extLst>
+              <a:ext uri="{FF2B5EF4-FFF2-40B4-BE49-F238E27FC236}">
+                <a16:creationId xmlns:a16="http://schemas.microsoft.com/office/drawing/2014/main" id="{96103C47-89DE-BE0E-2E58-A66E43BC6DA7}"/>
+              </a:ext>
+            </a:extLst>
+          </p:cNvPr>
+          <p:cNvCxnSpPr>
+            <a:cxnSpLocks/>
+          </p:cNvCxnSpPr>
+          <p:nvPr/>
+        </p:nvCxnSpPr>
+        <p:spPr>
+          <a:xfrm>
+            <a:off x="5066221" y="3216887"/>
+            <a:ext cx="506201" cy="0"/>
+          </a:xfrm>
+          <a:prstGeom prst="straightConnector1">
+            <a:avLst/>
+          </a:prstGeom>
+          <a:ln w="57150">
+            <a:solidFill>
+              <a:srgbClr val="FF0000"/>
+            </a:solidFill>
+            <a:tailEnd type="triangle"/>
+          </a:ln>
+        </p:spPr>
+        <p:style>
+          <a:lnRef idx="1">
+            <a:schemeClr val="accent1"/>
+          </a:lnRef>
+          <a:fillRef idx="0">
+            <a:schemeClr val="accent1"/>
+          </a:fillRef>
+          <a:effectRef idx="0">
+            <a:schemeClr val="accent1"/>
+          </a:effectRef>
+          <a:fontRef idx="minor">
+            <a:schemeClr val="tx1"/>
+          </a:fontRef>
+        </p:style>
+      </p:cxnSp>
+      <p:sp>
+        <p:nvSpPr>
+          <p:cNvPr id="10" name="TextBox 9">
+            <a:extLst>
+              <a:ext uri="{FF2B5EF4-FFF2-40B4-BE49-F238E27FC236}">
+                <a16:creationId xmlns:a16="http://schemas.microsoft.com/office/drawing/2014/main" id="{CE1E5F40-3F09-84E3-C336-EC14FBD571A5}"/>
+              </a:ext>
+            </a:extLst>
+          </p:cNvPr>
+          <p:cNvSpPr txBox="1"/>
+          <p:nvPr/>
+        </p:nvSpPr>
+        <p:spPr>
+          <a:xfrm>
+            <a:off x="3316902" y="2880752"/>
+            <a:ext cx="389850" cy="215444"/>
+          </a:xfrm>
+          <a:prstGeom prst="rect">
+            <a:avLst/>
+          </a:prstGeom>
+          <a:noFill/>
+        </p:spPr>
+        <p:txBody>
+          <a:bodyPr wrap="none" rtlCol="0">
+            <a:spAutoFit/>
+          </a:bodyPr>
+          <a:lstStyle/>
+          <a:p>
+            <a:r>
+              <a:rPr lang="ko-KR" altLang="en-US" sz="800" b="1" dirty="0">
+                <a:solidFill>
+                  <a:srgbClr val="FF0000"/>
+                </a:solidFill>
+                <a:latin typeface="+mj-lt"/>
+              </a:rPr>
+              <a:t>정답</a:t>
+            </a:r>
+          </a:p>
+        </p:txBody>
+      </p:sp>
+      <p:sp>
+        <p:nvSpPr>
+          <p:cNvPr id="12" name="TextBox 11">
+            <a:extLst>
+              <a:ext uri="{FF2B5EF4-FFF2-40B4-BE49-F238E27FC236}">
+                <a16:creationId xmlns:a16="http://schemas.microsoft.com/office/drawing/2014/main" id="{35CEB57F-721C-E9C4-A233-E32906B24437}"/>
+              </a:ext>
+            </a:extLst>
+          </p:cNvPr>
+          <p:cNvSpPr txBox="1"/>
+          <p:nvPr/>
+        </p:nvSpPr>
+        <p:spPr>
+          <a:xfrm>
+            <a:off x="1220216" y="2880752"/>
+            <a:ext cx="974344" cy="215444"/>
+          </a:xfrm>
+          <a:prstGeom prst="rect">
+            <a:avLst/>
+          </a:prstGeom>
+          <a:noFill/>
+        </p:spPr>
+        <p:txBody>
+          <a:bodyPr wrap="square" rtlCol="0">
+            <a:spAutoFit/>
+          </a:bodyPr>
+          <a:lstStyle/>
+          <a:p>
+            <a:r>
+              <a:rPr lang="ko-KR" altLang="en-US" sz="800" b="1">
+                <a:solidFill>
+                  <a:srgbClr val="FF0000"/>
+                </a:solidFill>
+                <a:latin typeface="+mj-lt"/>
+              </a:rPr>
+              <a:t>언어 모델 출력</a:t>
+            </a:r>
+            <a:endParaRPr lang="ko-KR" altLang="en-US" sz="800" b="1" dirty="0">
+              <a:solidFill>
+                <a:srgbClr val="FF0000"/>
+              </a:solidFill>
+              <a:latin typeface="+mj-lt"/>
+            </a:endParaRPr>
+          </a:p>
+        </p:txBody>
+      </p:sp>
+      <p:sp>
+        <p:nvSpPr>
+          <p:cNvPr id="18" name="TextBox 17">
+            <a:extLst>
+              <a:ext uri="{FF2B5EF4-FFF2-40B4-BE49-F238E27FC236}">
+                <a16:creationId xmlns:a16="http://schemas.microsoft.com/office/drawing/2014/main" id="{4E20BE9C-7A21-D373-FDEE-7C2898FFAA40}"/>
+              </a:ext>
+            </a:extLst>
+          </p:cNvPr>
+          <p:cNvSpPr txBox="1"/>
+          <p:nvPr/>
+        </p:nvSpPr>
+        <p:spPr>
+          <a:xfrm>
+            <a:off x="5717588" y="2564255"/>
+            <a:ext cx="2550111" cy="276999"/>
+          </a:xfrm>
+          <a:prstGeom prst="rect">
+            <a:avLst/>
+          </a:prstGeom>
+          <a:noFill/>
+          <a:ln>
+            <a:solidFill>
+              <a:schemeClr val="tx1"/>
+            </a:solidFill>
+          </a:ln>
+        </p:spPr>
+        <p:txBody>
+          <a:bodyPr wrap="square" rtlCol="0">
+            <a:spAutoFit/>
+          </a:bodyPr>
+          <a:lstStyle/>
+          <a:p>
+            <a:r>
+              <a:rPr lang="ko-KR" altLang="en-US" sz="1200" dirty="0">
+                <a:latin typeface="+mj-lt"/>
+              </a:rPr>
+              <a:t>정확하게 일치하지 않으므로 오답</a:t>
+            </a:r>
+          </a:p>
+        </p:txBody>
+      </p:sp>
+      <p:sp>
+        <p:nvSpPr>
+          <p:cNvPr id="19" name="TextBox 18">
+            <a:extLst>
+              <a:ext uri="{FF2B5EF4-FFF2-40B4-BE49-F238E27FC236}">
+                <a16:creationId xmlns:a16="http://schemas.microsoft.com/office/drawing/2014/main" id="{23B841BB-A75A-823F-20D7-E4804AB9EF10}"/>
+              </a:ext>
+            </a:extLst>
+          </p:cNvPr>
+          <p:cNvSpPr txBox="1"/>
+          <p:nvPr/>
+        </p:nvSpPr>
+        <p:spPr>
+          <a:xfrm>
+            <a:off x="5656242" y="2363424"/>
+            <a:ext cx="1382702" cy="215444"/>
+          </a:xfrm>
+          <a:prstGeom prst="rect">
+            <a:avLst/>
+          </a:prstGeom>
+          <a:noFill/>
+        </p:spPr>
+        <p:txBody>
+          <a:bodyPr wrap="square" rtlCol="0">
+            <a:spAutoFit/>
+          </a:bodyPr>
+          <a:lstStyle/>
+          <a:p>
+            <a:r>
+              <a:rPr lang="ko-KR" altLang="en-US" sz="800" b="1">
+                <a:solidFill>
+                  <a:srgbClr val="FF0000"/>
+                </a:solidFill>
+                <a:latin typeface="+mj-lt"/>
+              </a:rPr>
+              <a:t>기존 평가 지표</a:t>
+            </a:r>
+            <a:endParaRPr lang="ko-KR" altLang="en-US" sz="800" b="1" dirty="0">
+              <a:solidFill>
+                <a:srgbClr val="FF0000"/>
+              </a:solidFill>
+              <a:latin typeface="+mj-lt"/>
+            </a:endParaRPr>
+          </a:p>
+        </p:txBody>
+      </p:sp>
+      <p:sp>
+        <p:nvSpPr>
+          <p:cNvPr id="20" name="TextBox 19">
+            <a:extLst>
+              <a:ext uri="{FF2B5EF4-FFF2-40B4-BE49-F238E27FC236}">
+                <a16:creationId xmlns:a16="http://schemas.microsoft.com/office/drawing/2014/main" id="{7E155F72-2D6A-BDC6-D0B2-FA967BF4A34B}"/>
+              </a:ext>
+            </a:extLst>
+          </p:cNvPr>
+          <p:cNvSpPr txBox="1"/>
+          <p:nvPr/>
+        </p:nvSpPr>
+        <p:spPr>
+          <a:xfrm>
+            <a:off x="5656242" y="3217871"/>
+            <a:ext cx="1382702" cy="215444"/>
+          </a:xfrm>
+          <a:prstGeom prst="rect">
+            <a:avLst/>
+          </a:prstGeom>
+          <a:noFill/>
+        </p:spPr>
+        <p:txBody>
+          <a:bodyPr wrap="square" rtlCol="0">
+            <a:spAutoFit/>
+          </a:bodyPr>
+          <a:lstStyle/>
+          <a:p>
+            <a:r>
+              <a:rPr lang="en-US" altLang="ko-KR" sz="800" b="1" dirty="0" err="1">
+                <a:solidFill>
+                  <a:srgbClr val="FF0000"/>
+                </a:solidFill>
+                <a:latin typeface="+mj-lt"/>
+              </a:rPr>
+              <a:t>BERTScore</a:t>
+            </a:r>
+            <a:endParaRPr lang="ko-KR" altLang="en-US" sz="800" b="1" dirty="0">
+              <a:solidFill>
+                <a:srgbClr val="FF0000"/>
+              </a:solidFill>
+              <a:latin typeface="+mj-lt"/>
+            </a:endParaRPr>
+          </a:p>
+        </p:txBody>
+      </p:sp>
+      <p:sp>
+        <p:nvSpPr>
+          <p:cNvPr id="21" name="TextBox 20">
+            <a:extLst>
+              <a:ext uri="{FF2B5EF4-FFF2-40B4-BE49-F238E27FC236}">
+                <a16:creationId xmlns:a16="http://schemas.microsoft.com/office/drawing/2014/main" id="{66849731-19BD-BABF-503F-EB2FB438A3EB}"/>
+              </a:ext>
+            </a:extLst>
+          </p:cNvPr>
+          <p:cNvSpPr txBox="1"/>
+          <p:nvPr/>
+        </p:nvSpPr>
+        <p:spPr>
+          <a:xfrm>
+            <a:off x="5717588" y="3439688"/>
+            <a:ext cx="2550111" cy="461665"/>
+          </a:xfrm>
+          <a:prstGeom prst="rect">
+            <a:avLst/>
+          </a:prstGeom>
+          <a:noFill/>
+          <a:ln>
+            <a:solidFill>
+              <a:schemeClr val="tx1"/>
+            </a:solidFill>
+          </a:ln>
+        </p:spPr>
+        <p:txBody>
+          <a:bodyPr wrap="square" rtlCol="0">
+            <a:spAutoFit/>
+          </a:bodyPr>
+          <a:lstStyle/>
+          <a:p>
+            <a:r>
+              <a:rPr lang="ko-KR" altLang="en-US" sz="1200" dirty="0">
+                <a:latin typeface="+mj-lt"/>
+              </a:rPr>
+              <a:t>의미적으로 동일하므로 정답으로 처리할 가능성이 높음</a:t>
+            </a:r>
+          </a:p>
+        </p:txBody>
+      </p:sp>
+      <p:cxnSp>
+        <p:nvCxnSpPr>
+          <p:cNvPr id="24" name="직선 화살표 연결선 23">
+            <a:extLst>
+              <a:ext uri="{FF2B5EF4-FFF2-40B4-BE49-F238E27FC236}">
+                <a16:creationId xmlns:a16="http://schemas.microsoft.com/office/drawing/2014/main" id="{4B2A082D-7D51-B6F3-AFFD-3BCDA000693C}"/>
+              </a:ext>
+            </a:extLst>
+          </p:cNvPr>
+          <p:cNvCxnSpPr>
+            <a:cxnSpLocks/>
+          </p:cNvCxnSpPr>
+          <p:nvPr/>
+        </p:nvCxnSpPr>
+        <p:spPr>
+          <a:xfrm>
+            <a:off x="2810701" y="3218134"/>
+            <a:ext cx="506201" cy="0"/>
+          </a:xfrm>
+          <a:prstGeom prst="straightConnector1">
+            <a:avLst/>
+          </a:prstGeom>
+          <a:ln w="57150">
+            <a:solidFill>
+              <a:srgbClr val="FF0000"/>
+            </a:solidFill>
+            <a:tailEnd type="triangle"/>
+          </a:ln>
+        </p:spPr>
+        <p:style>
+          <a:lnRef idx="1">
+            <a:schemeClr val="accent1"/>
+          </a:lnRef>
+          <a:fillRef idx="0">
+            <a:schemeClr val="accent1"/>
+          </a:fillRef>
+          <a:effectRef idx="0">
+            <a:schemeClr val="accent1"/>
+          </a:effectRef>
+          <a:fontRef idx="minor">
+            <a:schemeClr val="tx1"/>
+          </a:fontRef>
+        </p:style>
+      </p:cxnSp>
+    </p:spTree>
+    <p:extLst>
+      <p:ext uri="{BB962C8B-B14F-4D97-AF65-F5344CB8AC3E}">
+        <p14:creationId xmlns:p14="http://schemas.microsoft.com/office/powerpoint/2010/main" val="2302375308"/>
+      </p:ext>
+    </p:extLst>
   </p:cSld>
   <p:clrMapOvr>
     <a:masterClrMapping/>
@@ -24758,23 +27303,7 @@
                 <a:ea typeface="Noto Sans" panose="020B0502040504020204" pitchFamily="34" charset="0"/>
                 <a:cs typeface="Noto Sans" panose="020B0502040504020204" pitchFamily="34" charset="0"/>
               </a:rPr>
-              <a:t>(dimensionality </a:t>
-            </a:r>
-            <a:r>
-              <a:rPr lang="en-US" altLang="ko-KR" sz="1600" b="1" dirty="0" err="1">
-                <a:latin typeface="Noto Sans" panose="020B0502040504020204" pitchFamily="34" charset="0"/>
-                <a:ea typeface="Noto Sans" panose="020B0502040504020204" pitchFamily="34" charset="0"/>
-                <a:cs typeface="Noto Sans" panose="020B0502040504020204" pitchFamily="34" charset="0"/>
-              </a:rPr>
-              <a:t>redunction</a:t>
-            </a:r>
-            <a:r>
-              <a:rPr lang="en-US" altLang="ko-KR" sz="1600" b="1" dirty="0">
-                <a:latin typeface="Noto Sans" panose="020B0502040504020204" pitchFamily="34" charset="0"/>
-                <a:ea typeface="Noto Sans" panose="020B0502040504020204" pitchFamily="34" charset="0"/>
-                <a:cs typeface="Noto Sans" panose="020B0502040504020204" pitchFamily="34" charset="0"/>
-              </a:rPr>
-              <a:t>)</a:t>
+              <a:t>(dimensionality reduction)</a:t>
             </a:r>
             <a:endParaRPr lang="ko-KR" altLang="en-US" sz="1600" b="1" dirty="0">
               <a:latin typeface="Noto Sans" panose="020B0502040504020204" pitchFamily="34" charset="0"/>

--- a/study/발표자료/(이승건)250220_밑딥2_chap2-5.pptx
+++ b/study/발표자료/(이승건)250220_밑딥2_chap2-5.pptx
@@ -48,7 +48,7 @@
       <p:regular r:id="rId34"/>
     </p:embeddedFont>
     <p:embeddedFont>
-      <p:font typeface="DM Sans" pitchFamily="2" charset="0"/>
+      <p:font typeface="DM Sans" panose="020B0600000101010101" charset="0"/>
       <p:regular r:id="rId35"/>
       <p:bold r:id="rId36"/>
       <p:italic r:id="rId37"/>
@@ -62,18 +62,25 @@
       <p:boldItalic r:id="rId42"/>
     </p:embeddedFont>
     <p:embeddedFont>
-      <p:font typeface="Playfair Display Medium" panose="020B0600000101010101" charset="0"/>
+      <p:font typeface="Playfair Display" panose="00000500000000000000" pitchFamily="2" charset="0"/>
       <p:regular r:id="rId43"/>
       <p:bold r:id="rId44"/>
       <p:italic r:id="rId45"/>
       <p:boldItalic r:id="rId46"/>
     </p:embeddedFont>
     <p:embeddedFont>
-      <p:font typeface="Raleway" pitchFamily="2" charset="0"/>
+      <p:font typeface="Playfair Display Medium" panose="020B0600000101010101" charset="0"/>
       <p:regular r:id="rId47"/>
       <p:bold r:id="rId48"/>
       <p:italic r:id="rId49"/>
       <p:boldItalic r:id="rId50"/>
+    </p:embeddedFont>
+    <p:embeddedFont>
+      <p:font typeface="Raleway" pitchFamily="2" charset="0"/>
+      <p:regular r:id="rId51"/>
+      <p:bold r:id="rId52"/>
+      <p:italic r:id="rId53"/>
+      <p:boldItalic r:id="rId54"/>
     </p:embeddedFont>
   </p:embeddedFontLst>
   <p:defaultTextStyle>
@@ -4262,18 +4269,6 @@
             <a:noAutofit/>
           </a:bodyPr>
           <a:lstStyle/>
-          <a:p>
-            <a:pPr marL="0" lvl="0" indent="0" algn="l" rtl="0">
-              <a:spcBef>
-                <a:spcPts val="0"/>
-              </a:spcBef>
-              <a:spcAft>
-                <a:spcPts val="0"/>
-              </a:spcAft>
-              <a:buNone/>
-            </a:pPr>
-            <a:endParaRPr lang="en-US" altLang="ko-KR" dirty="0"/>
-          </a:p>
           <a:p>
             <a:pPr marL="0" lvl="0" indent="0" algn="l" rtl="0">
               <a:spcBef>
@@ -20951,14 +20946,14 @@
           <p:nvPr>
             <p:extLst>
               <p:ext uri="{D42A27DB-BD31-4B8C-83A1-F6EECF244321}">
-                <p14:modId xmlns:p14="http://schemas.microsoft.com/office/powerpoint/2010/main" val="3979442375"/>
+                <p14:modId xmlns:p14="http://schemas.microsoft.com/office/powerpoint/2010/main" val="2199209691"/>
               </p:ext>
             </p:extLst>
           </p:nvPr>
         </p:nvGraphicFramePr>
         <p:xfrm>
           <a:off x="589547" y="539751"/>
-          <a:ext cx="7784432" cy="4290018"/>
+          <a:ext cx="7784432" cy="4117683"/>
         </p:xfrm>
         <a:graphic>
           <a:graphicData uri="http://schemas.openxmlformats.org/drawingml/2006/table">
@@ -20982,7 +20977,7 @@
                   </a:extLst>
                 </a:gridCol>
               </a:tblGrid>
-              <a:tr h="388045">
+              <a:tr h="402863">
                 <a:tc gridSpan="2">
                   <a:txBody>
                     <a:bodyPr/>
@@ -20995,7 +20990,7 @@
                       </a:r>
                     </a:p>
                   </a:txBody>
-                  <a:tcPr/>
+                  <a:tcPr anchor="ctr"/>
                 </a:tc>
                 <a:tc hMerge="1">
                   <a:txBody>
@@ -21014,7 +21009,7 @@
                   </a:ext>
                 </a:extLst>
               </a:tr>
-              <a:tr h="762533">
+              <a:tr h="582075">
                 <a:tc>
                   <a:txBody>
                     <a:bodyPr/>
@@ -21036,64 +21031,79 @@
                     <a:p>
                       <a:pPr latinLnBrk="1"/>
                       <a:r>
-                        <a:rPr lang="ko-KR" altLang="en-US" sz="1000" dirty="0"/>
+                        <a:rPr lang="ko-KR" altLang="en-US" sz="600" dirty="0"/>
                         <a:t>시소러스에서 단점으로 높은 인적 비용 언급에 대한 설명</a:t>
                       </a:r>
-                      <a:endParaRPr lang="en-US" altLang="ko-KR" sz="1000" dirty="0"/>
+                      <a:r>
+                        <a:rPr lang="en-US" altLang="ko-KR" sz="600" dirty="0"/>
+                        <a:t> - 3p</a:t>
+                      </a:r>
                     </a:p>
                     <a:p>
                       <a:pPr latinLnBrk="1"/>
                       <a:r>
-                        <a:rPr lang="ko-KR" altLang="en-US" sz="1000" dirty="0"/>
+                        <a:rPr lang="ko-KR" altLang="en-US" sz="600" dirty="0"/>
                         <a:t>점별 상호정보량</a:t>
                       </a:r>
                       <a:r>
-                        <a:rPr lang="en-US" altLang="ko-KR" sz="1000" dirty="0"/>
+                        <a:rPr lang="en-US" altLang="ko-KR" sz="600" dirty="0"/>
                         <a:t>(PMI)</a:t>
                       </a:r>
                       <a:r>
-                        <a:rPr lang="ko-KR" altLang="en-US" sz="1000" dirty="0"/>
+                        <a:rPr lang="ko-KR" altLang="en-US" sz="600" dirty="0"/>
                         <a:t>를 쓰는 이유</a:t>
                       </a:r>
-                      <a:endParaRPr lang="en-US" altLang="ko-KR" sz="1000" dirty="0"/>
+                      <a:r>
+                        <a:rPr lang="en-US" altLang="ko-KR" sz="600" dirty="0"/>
+                        <a:t> - 7p</a:t>
+                      </a:r>
                     </a:p>
                     <a:p>
                       <a:pPr latinLnBrk="1"/>
                       <a:r>
-                        <a:rPr lang="ko-KR" altLang="en-US" sz="1000" dirty="0" err="1"/>
+                        <a:rPr lang="ko-KR" altLang="en-US" sz="600" dirty="0" err="1"/>
                         <a:t>퍼플렉서티가</a:t>
                       </a:r>
                       <a:r>
-                        <a:rPr lang="ko-KR" altLang="en-US" sz="1000" dirty="0"/>
+                        <a:rPr lang="ko-KR" altLang="en-US" sz="600" dirty="0"/>
                         <a:t> 낮을수록 성능이 좋다고 했는데</a:t>
                       </a:r>
                       <a:r>
-                        <a:rPr lang="en-US" altLang="ko-KR" sz="1000" dirty="0"/>
+                        <a:rPr lang="en-US" altLang="ko-KR" sz="600" dirty="0"/>
                         <a:t>, </a:t>
                       </a:r>
                       <a:r>
-                        <a:rPr lang="ko-KR" altLang="en-US" sz="1000" dirty="0" err="1"/>
+                        <a:rPr lang="ko-KR" altLang="en-US" sz="600" dirty="0" err="1"/>
                         <a:t>퍼플렉서티가</a:t>
                       </a:r>
                       <a:r>
-                        <a:rPr lang="ko-KR" altLang="en-US" sz="1000" dirty="0"/>
+                        <a:rPr lang="ko-KR" altLang="en-US" sz="600" dirty="0"/>
                         <a:t> 높다고 해서 모델 성능이 좋지 않은 것이 맞는지</a:t>
                       </a:r>
+                      <a:r>
+                        <a:rPr lang="en-US" altLang="ko-KR" sz="600" dirty="0"/>
+                        <a:t> - 27p, 31p</a:t>
+                      </a:r>
                       <a:br>
-                        <a:rPr lang="en-US" altLang="ko-KR" sz="1000" dirty="0"/>
+                        <a:rPr lang="en-US" altLang="ko-KR" sz="600" dirty="0"/>
                       </a:br>
                       <a:r>
-                        <a:rPr lang="ko-KR" altLang="en-US" sz="1000" dirty="0"/>
+                        <a:rPr lang="ko-KR" altLang="en-US" sz="600" dirty="0"/>
                         <a:t>네거티브 샘플링 기법에서 부정적 예를 샘플링 할 때</a:t>
                       </a:r>
                       <a:r>
-                        <a:rPr lang="en-US" altLang="ko-KR" sz="1000" dirty="0"/>
+                        <a:rPr lang="en-US" altLang="ko-KR" sz="600" dirty="0"/>
                         <a:t>, </a:t>
                       </a:r>
                       <a:r>
-                        <a:rPr lang="ko-KR" altLang="en-US" sz="1000" dirty="0"/>
+                        <a:rPr lang="ko-KR" altLang="en-US" sz="600" dirty="0"/>
                         <a:t>다른 방법이 있는지</a:t>
                       </a:r>
+                      <a:r>
+                        <a:rPr lang="en-US" altLang="ko-KR" sz="600" dirty="0"/>
+                        <a:t> - 30p</a:t>
+                      </a:r>
+                      <a:endParaRPr lang="ko-KR" altLang="en-US" sz="600" dirty="0"/>
                     </a:p>
                   </a:txBody>
                   <a:tcPr/>
@@ -21104,7 +21114,7 @@
                   </a:ext>
                 </a:extLst>
               </a:tr>
-              <a:tr h="2927970">
+              <a:tr h="3132745">
                 <a:tc>
                   <a:txBody>
                     <a:bodyPr/>
@@ -21126,270 +21136,417 @@
                     <a:p>
                       <a:pPr latinLnBrk="1"/>
                       <a:r>
-                        <a:rPr lang="en-US" altLang="ko-KR" sz="1000" dirty="0" err="1"/>
-                        <a:t>CBoW</a:t>
+                        <a:rPr lang="ko-KR" altLang="en-US" sz="600" dirty="0"/>
+                        <a:t>분산 표현이 정확히 어떤 의미인지</a:t>
+                      </a:r>
+                      <a:br>
+                        <a:rPr lang="en-US" altLang="ko-KR" sz="600" dirty="0"/>
+                      </a:br>
+                      <a:r>
+                        <a:rPr lang="en-US" altLang="ko-KR" sz="600" dirty="0"/>
+                        <a:t>- </a:t>
                       </a:r>
                       <a:r>
-                        <a:rPr lang="ko-KR" altLang="en-US" sz="1000" dirty="0"/>
-                        <a:t>와 </a:t>
+                        <a:rPr lang="ko-KR" altLang="en-US" sz="600" dirty="0"/>
+                        <a:t>분포 가설을 바탕으로 단어를 특정 차원에서 벡터로 나타낸 것이므로</a:t>
                       </a:r>
                       <a:r>
-                        <a:rPr lang="en-US" altLang="ko-KR" sz="1000" dirty="0"/>
-                        <a:t>skip-gram </a:t>
+                        <a:rPr lang="en-US" altLang="ko-KR" sz="600" dirty="0"/>
+                        <a:t>, </a:t>
                       </a:r>
                       <a:r>
-                        <a:rPr lang="ko-KR" altLang="en-US" sz="1000" dirty="0"/>
-                        <a:t>중 어떤 모델이 더 좋다고 판단하는지</a:t>
+                        <a:rPr lang="ko-KR" altLang="en-US" sz="600" dirty="0"/>
+                        <a:t>각 단어 벡터를 특정 차원에 분산시켜 표현했기 때문에 분산 표현이라고 정의했다고 생각</a:t>
                       </a:r>
-                      <a:endParaRPr lang="en-US" altLang="ko-KR" sz="1000" dirty="0"/>
+                      <a:br>
+                        <a:rPr lang="en-US" altLang="ko-KR" sz="600" dirty="0"/>
+                      </a:br>
+                      <a:br>
+                        <a:rPr lang="en-US" altLang="ko-KR" sz="600" dirty="0"/>
+                      </a:br>
+                      <a:r>
+                        <a:rPr lang="ko-KR" altLang="en-US" sz="600" dirty="0"/>
+                        <a:t>통계 기반 기법과 추론 기반 기법이 아예 다르다고 생각하는지</a:t>
+                      </a:r>
+                      <a:br>
+                        <a:rPr lang="en-US" altLang="ko-KR" sz="600" dirty="0"/>
+                      </a:br>
+                      <a:r>
+                        <a:rPr lang="en-US" altLang="ko-KR" sz="600" dirty="0"/>
+                        <a:t>- </a:t>
+                      </a:r>
+                      <a:r>
+                        <a:rPr lang="ko-KR" altLang="en-US" sz="600" dirty="0"/>
+                        <a:t>기본적으로 둘 다 분포 가설에 기초를 하기 때문에</a:t>
+                      </a:r>
+                      <a:r>
+                        <a:rPr lang="en-US" altLang="ko-KR" sz="600" dirty="0"/>
+                        <a:t>, </a:t>
+                      </a:r>
+                      <a:r>
+                        <a:rPr lang="ko-KR" altLang="en-US" sz="600" dirty="0"/>
+                        <a:t>계산 방법이나 방향은 달라도 근본은 같다고 생각</a:t>
+                      </a:r>
+                      <a:endParaRPr lang="en-US" altLang="ko-KR" sz="600" dirty="0"/>
+                    </a:p>
+                    <a:p>
+                      <a:pPr latinLnBrk="1"/>
+                      <a:br>
+                        <a:rPr lang="en-US" altLang="ko-KR" sz="600" dirty="0"/>
+                      </a:br>
+                      <a:r>
+                        <a:rPr lang="ko-KR" altLang="en-US" sz="600" dirty="0"/>
+                        <a:t>통계 기반 기법과 추론 기반 기법의 차이점과 장단점이 무엇인지</a:t>
+                      </a:r>
+                      <a:br>
+                        <a:rPr lang="en-US" altLang="ko-KR" sz="600" dirty="0"/>
+                      </a:br>
+                      <a:r>
+                        <a:rPr lang="en-US" altLang="ko-KR" sz="600" dirty="0"/>
+                        <a:t>- </a:t>
+                      </a:r>
+                      <a:r>
+                        <a:rPr lang="ko-KR" altLang="en-US" sz="600" dirty="0"/>
+                        <a:t>말뭉치의 어휘가 변경되었을 때 통계 기반 기법은 처음부터 일련의 과정을 거쳐야 함</a:t>
+                      </a:r>
+                      <a:r>
+                        <a:rPr lang="en-US" altLang="ko-KR" sz="600" dirty="0"/>
+                        <a:t>. </a:t>
+                      </a:r>
+                      <a:r>
+                        <a:rPr lang="ko-KR" altLang="en-US" sz="600" dirty="0"/>
+                        <a:t>추론 기반 기법의 경우 신경망 학습의 방식으로 이루어지므로 학습했던 매개변수 가중치를 </a:t>
+                      </a:r>
+                      <a:r>
+                        <a:rPr lang="ko-KR" altLang="en-US" sz="600" dirty="0" err="1"/>
+                        <a:t>초깃값으로</a:t>
+                      </a:r>
+                      <a:r>
+                        <a:rPr lang="ko-KR" altLang="en-US" sz="600" dirty="0"/>
+                        <a:t> 미니배치 학습을 하면 됨</a:t>
+                      </a:r>
+                      <a:r>
+                        <a:rPr lang="en-US" altLang="ko-KR" sz="600" dirty="0"/>
+                        <a:t>. </a:t>
+                      </a:r>
+                      <a:r>
+                        <a:rPr lang="ko-KR" altLang="en-US" sz="600" dirty="0"/>
+                        <a:t>따라서 추론 기반 기법이 학습 방면에서 효율적 </a:t>
+                      </a:r>
+                      <a:endParaRPr lang="en-US" altLang="ko-KR" sz="600" dirty="0"/>
+                    </a:p>
+                    <a:p>
+                      <a:pPr latinLnBrk="1"/>
+                      <a:endParaRPr lang="en-US" altLang="ko-KR" sz="600" dirty="0"/>
                     </a:p>
                     <a:p>
                       <a:pPr latinLnBrk="1"/>
                       <a:r>
-                        <a:rPr lang="en-US" altLang="ko-KR" sz="1000" dirty="0"/>
-                        <a:t>- </a:t>
-                      </a:r>
-                      <a:r>
-                        <a:rPr lang="ko-KR" altLang="en-US" sz="1000" dirty="0"/>
-                        <a:t>더 많은 </a:t>
-                      </a:r>
-                      <a:r>
-                        <a:rPr lang="en-US" altLang="ko-KR" sz="1000" dirty="0"/>
-                        <a:t>contexts</a:t>
-                      </a:r>
-                      <a:r>
-                        <a:rPr lang="ko-KR" altLang="en-US" sz="1000" dirty="0"/>
-                        <a:t>를 추론하는 </a:t>
-                      </a:r>
-                      <a:r>
-                        <a:rPr lang="en-US" altLang="ko-KR" sz="1000" dirty="0"/>
-                        <a:t>skip-gram</a:t>
-                      </a:r>
-                      <a:r>
-                        <a:rPr lang="ko-KR" altLang="en-US" sz="1000" dirty="0"/>
-                        <a:t>이 더 뛰어날 것으로 생각</a:t>
-                      </a:r>
-                      <a:r>
-                        <a:rPr lang="en-US" altLang="ko-KR" sz="1000" dirty="0"/>
-                        <a:t>. </a:t>
-                      </a:r>
-                      <a:r>
-                        <a:rPr lang="ko-KR" altLang="en-US" sz="1000" dirty="0"/>
-                        <a:t>매개변수 면에서는 </a:t>
-                      </a:r>
-                      <a:r>
-                        <a:rPr lang="en-US" altLang="ko-KR" sz="1000" dirty="0" err="1"/>
+                        <a:rPr lang="en-US" altLang="ko-KR" sz="600" dirty="0" err="1"/>
                         <a:t>CBoW</a:t>
                       </a:r>
                       <a:r>
-                        <a:rPr lang="ko-KR" altLang="en-US" sz="1000" dirty="0"/>
-                        <a:t>가 더 유리</a:t>
+                        <a:rPr lang="ko-KR" altLang="en-US" sz="600" dirty="0"/>
+                        <a:t>와 </a:t>
                       </a:r>
-                      <a:endParaRPr lang="en-US" altLang="ko-KR" sz="1000" dirty="0"/>
-                    </a:p>
-                    <a:p>
-                      <a:pPr latinLnBrk="1"/>
-                      <a:endParaRPr lang="en-US" altLang="ko-KR" sz="1000" dirty="0"/>
+                      <a:r>
+                        <a:rPr lang="en-US" altLang="ko-KR" sz="600" dirty="0"/>
+                        <a:t>skip-gram </a:t>
+                      </a:r>
+                      <a:r>
+                        <a:rPr lang="ko-KR" altLang="en-US" sz="600" dirty="0"/>
+                        <a:t>중 어떤 모델이 더 좋다고 판단하는지</a:t>
+                      </a:r>
+                      <a:endParaRPr lang="en-US" altLang="ko-KR" sz="600" dirty="0"/>
                     </a:p>
                     <a:p>
                       <a:pPr latinLnBrk="1"/>
                       <a:r>
-                        <a:rPr lang="en-US" altLang="ko-KR" sz="1000" dirty="0"/>
-                        <a:t>word2vec</a:t>
+                        <a:rPr lang="en-US" altLang="ko-KR" sz="600" dirty="0"/>
+                        <a:t>- </a:t>
                       </a:r>
                       <a:r>
-                        <a:rPr lang="ko-KR" altLang="en-US" sz="1000" dirty="0"/>
-                        <a:t>에서 윈도우 사이즈를 최대로 하면 안되는지</a:t>
+                        <a:rPr lang="ko-KR" altLang="en-US" sz="600" dirty="0"/>
+                        <a:t>더 많은 </a:t>
                       </a:r>
-                      <a:endParaRPr lang="en-US" altLang="ko-KR" sz="1000" dirty="0"/>
+                      <a:r>
+                        <a:rPr lang="en-US" altLang="ko-KR" sz="600" dirty="0"/>
+                        <a:t>contexts</a:t>
+                      </a:r>
+                      <a:r>
+                        <a:rPr lang="ko-KR" altLang="en-US" sz="600" dirty="0"/>
+                        <a:t>를 추론하는 </a:t>
+                      </a:r>
+                      <a:r>
+                        <a:rPr lang="en-US" altLang="ko-KR" sz="600" dirty="0"/>
+                        <a:t>skip-gram</a:t>
+                      </a:r>
+                      <a:r>
+                        <a:rPr lang="ko-KR" altLang="en-US" sz="600" dirty="0"/>
+                        <a:t>이 더 뛰어날 것으로 생각</a:t>
+                      </a:r>
+                      <a:r>
+                        <a:rPr lang="en-US" altLang="ko-KR" sz="600" dirty="0"/>
+                        <a:t>. </a:t>
+                      </a:r>
+                      <a:r>
+                        <a:rPr lang="ko-KR" altLang="en-US" sz="600" dirty="0"/>
+                        <a:t>매개변수 면에서는 </a:t>
+                      </a:r>
+                      <a:r>
+                        <a:rPr lang="en-US" altLang="ko-KR" sz="600" dirty="0" err="1"/>
+                        <a:t>CBoW</a:t>
+                      </a:r>
+                      <a:r>
+                        <a:rPr lang="ko-KR" altLang="en-US" sz="600" dirty="0"/>
+                        <a:t>가 더 유리</a:t>
+                      </a:r>
+                      <a:endParaRPr lang="en-US" altLang="ko-KR" sz="600" dirty="0"/>
+                    </a:p>
+                    <a:p>
+                      <a:pPr latinLnBrk="1"/>
+                      <a:endParaRPr lang="en-US" altLang="ko-KR" sz="600" dirty="0"/>
                     </a:p>
                     <a:p>
                       <a:pPr latinLnBrk="1"/>
                       <a:r>
-                        <a:rPr lang="en-US" altLang="ko-KR" sz="1000" dirty="0"/>
+                        <a:rPr lang="en-US" altLang="ko-KR" sz="600" dirty="0"/>
+                        <a:t>word2vec</a:t>
+                      </a:r>
+                      <a:r>
+                        <a:rPr lang="ko-KR" altLang="en-US" sz="600" dirty="0"/>
+                        <a:t>에서 윈도우 사이즈를 최대로 하면 안되는지</a:t>
+                      </a:r>
+                      <a:endParaRPr lang="en-US" altLang="ko-KR" sz="600" dirty="0"/>
+                    </a:p>
+                    <a:p>
+                      <a:pPr latinLnBrk="1"/>
+                      <a:r>
+                        <a:rPr lang="en-US" altLang="ko-KR" sz="600" dirty="0"/>
                         <a:t>- </a:t>
                       </a:r>
                       <a:r>
-                        <a:rPr lang="ko-KR" altLang="en-US" sz="1000" dirty="0"/>
+                        <a:rPr lang="ko-KR" altLang="en-US" sz="600" dirty="0"/>
                         <a:t>맥락에서 중요하지 않은</a:t>
                       </a:r>
                       <a:r>
-                        <a:rPr lang="en-US" altLang="ko-KR" sz="1000" dirty="0"/>
+                        <a:rPr lang="en-US" altLang="ko-KR" sz="600" dirty="0"/>
                         <a:t>(</a:t>
                       </a:r>
                       <a:r>
-                        <a:rPr lang="ko-KR" altLang="en-US" sz="1000" dirty="0"/>
+                        <a:rPr lang="ko-KR" altLang="en-US" sz="600" dirty="0"/>
                         <a:t>연관 없는</a:t>
                       </a:r>
                       <a:r>
-                        <a:rPr lang="en-US" altLang="ko-KR" sz="1000" dirty="0"/>
+                        <a:rPr lang="en-US" altLang="ko-KR" sz="600" dirty="0"/>
                         <a:t>) </a:t>
                       </a:r>
                       <a:r>
-                        <a:rPr lang="ko-KR" altLang="en-US" sz="1000" dirty="0"/>
+                        <a:rPr lang="ko-KR" altLang="en-US" sz="600" dirty="0"/>
                         <a:t>단어들까지 모두 고려하기 때문에 의미적 관계가 </a:t>
                       </a:r>
                       <a:r>
-                        <a:rPr lang="ko-KR" altLang="en-US" sz="1000" dirty="0" err="1"/>
+                        <a:rPr lang="ko-KR" altLang="en-US" sz="600" dirty="0" err="1"/>
                         <a:t>약해짐</a:t>
                       </a:r>
                       <a:br>
-                        <a:rPr lang="en-US" altLang="ko-KR" sz="1000" dirty="0"/>
+                        <a:rPr lang="en-US" altLang="ko-KR" sz="600" dirty="0"/>
                       </a:br>
                       <a:br>
-                        <a:rPr lang="en-US" altLang="ko-KR" sz="1000" dirty="0"/>
+                        <a:rPr lang="en-US" altLang="ko-KR" sz="600" dirty="0"/>
                       </a:br>
                       <a:r>
-                        <a:rPr lang="en-US" altLang="ko-KR" sz="1000" dirty="0"/>
+                        <a:rPr lang="ko-KR" altLang="en-US" sz="600" dirty="0"/>
+                        <a:t>네거티브 샘플링에서 확률보정으로 </a:t>
+                      </a:r>
+                      <a:r>
+                        <a:rPr lang="en-US" altLang="ko-KR" sz="600" dirty="0"/>
+                        <a:t>0.75</a:t>
+                      </a:r>
+                      <a:r>
+                        <a:rPr lang="ko-KR" altLang="en-US" sz="600" dirty="0"/>
+                        <a:t>제곱을 했는데</a:t>
+                      </a:r>
+                      <a:r>
+                        <a:rPr lang="en-US" altLang="ko-KR" sz="600" dirty="0"/>
+                        <a:t>, </a:t>
+                      </a:r>
+                      <a:r>
+                        <a:rPr lang="ko-KR" altLang="en-US" sz="600" dirty="0"/>
+                        <a:t>이유가 무엇인지</a:t>
+                      </a:r>
+                      <a:br>
+                        <a:rPr lang="en-US" altLang="ko-KR" sz="600" dirty="0"/>
+                      </a:br>
+                      <a:r>
+                        <a:rPr lang="en-US" altLang="ko-KR" sz="600" dirty="0"/>
+                        <a:t>- </a:t>
+                      </a:r>
+                      <a:r>
+                        <a:rPr lang="ko-KR" altLang="en-US" sz="600" dirty="0" err="1"/>
+                        <a:t>하이퍼파라미터이고</a:t>
+                      </a:r>
+                      <a:r>
+                        <a:rPr lang="ko-KR" altLang="en-US" sz="600" dirty="0"/>
+                        <a:t> 조정가능</a:t>
+                      </a:r>
+                      <a:br>
+                        <a:rPr lang="en-US" altLang="ko-KR" sz="600" dirty="0"/>
+                      </a:br>
+                      <a:br>
+                        <a:rPr lang="en-US" altLang="ko-KR" sz="600" dirty="0"/>
+                      </a:br>
+                      <a:r>
+                        <a:rPr lang="en-US" altLang="ko-KR" sz="600" dirty="0"/>
                         <a:t>Truncated BPTT </a:t>
                       </a:r>
                       <a:r>
-                        <a:rPr lang="ko-KR" altLang="en-US" sz="1000" dirty="0"/>
+                        <a:rPr lang="ko-KR" altLang="en-US" sz="600" dirty="0"/>
                         <a:t>에서 역전파가 잘려 있는데 이 경우 역전파가 잘 전달되는 것이 맞는지</a:t>
                       </a:r>
                       <a:br>
-                        <a:rPr lang="en-US" altLang="ko-KR" sz="1000" dirty="0"/>
+                        <a:rPr lang="en-US" altLang="ko-KR" sz="600" dirty="0"/>
                       </a:br>
                       <a:r>
-                        <a:rPr lang="en-US" altLang="ko-KR" sz="1000" dirty="0"/>
+                        <a:rPr lang="en-US" altLang="ko-KR" sz="600" dirty="0"/>
                         <a:t>- </a:t>
                       </a:r>
                       <a:r>
-                        <a:rPr lang="ko-KR" altLang="en-US" sz="1000" dirty="0"/>
+                        <a:rPr lang="ko-KR" altLang="en-US" sz="600" dirty="0"/>
                         <a:t>순전파가 시각 끝까지 처리 후 </a:t>
                       </a:r>
                       <a:r>
-                        <a:rPr lang="ko-KR" altLang="en-US" sz="1000" dirty="0" err="1"/>
+                        <a:rPr lang="ko-KR" altLang="en-US" sz="600" dirty="0" err="1"/>
                         <a:t>역전파</a:t>
                       </a:r>
                       <a:r>
-                        <a:rPr lang="ko-KR" altLang="en-US" sz="1000" dirty="0"/>
+                        <a:rPr lang="ko-KR" altLang="en-US" sz="600" dirty="0"/>
                         <a:t> 수행</a:t>
                       </a:r>
                       <a:r>
-                        <a:rPr lang="en-US" altLang="ko-KR" sz="1000" dirty="0"/>
+                        <a:rPr lang="en-US" altLang="ko-KR" sz="600" dirty="0"/>
                         <a:t>, </a:t>
                       </a:r>
                       <a:r>
-                        <a:rPr lang="ko-KR" altLang="en-US" sz="1000" dirty="0"/>
+                        <a:rPr lang="ko-KR" altLang="en-US" sz="600" dirty="0"/>
                         <a:t>각 블록의 마지막 시각의 출력을 이용한 블록단위 계산을 통해 기울기 소실</a:t>
                       </a:r>
                       <a:r>
-                        <a:rPr lang="en-US" altLang="ko-KR" sz="1000" dirty="0"/>
+                        <a:rPr lang="en-US" altLang="ko-KR" sz="600" dirty="0"/>
                         <a:t>/</a:t>
                       </a:r>
                       <a:r>
-                        <a:rPr lang="ko-KR" altLang="en-US" sz="1000" dirty="0"/>
+                        <a:rPr lang="ko-KR" altLang="en-US" sz="600" dirty="0"/>
                         <a:t>폭발 방지</a:t>
                       </a:r>
                       <a:br>
-                        <a:rPr lang="en-US" altLang="ko-KR" sz="1000" dirty="0"/>
+                        <a:rPr lang="en-US" altLang="ko-KR" sz="600" dirty="0"/>
                       </a:br>
                       <a:br>
-                        <a:rPr lang="en-US" altLang="ko-KR" sz="1000" dirty="0"/>
+                        <a:rPr lang="en-US" altLang="ko-KR" sz="600" dirty="0"/>
                       </a:br>
                       <a:r>
-                        <a:rPr lang="en-US" altLang="ko-KR" sz="1000" dirty="0"/>
+                        <a:rPr lang="en-US" altLang="ko-KR" sz="600" dirty="0"/>
                         <a:t>Truncated BPTT </a:t>
                       </a:r>
                       <a:r>
-                        <a:rPr lang="ko-KR" altLang="en-US" sz="1000" dirty="0"/>
+                        <a:rPr lang="ko-KR" altLang="en-US" sz="600" dirty="0"/>
                         <a:t>미니배치 학습에서</a:t>
                       </a:r>
                       <a:r>
-                        <a:rPr lang="en-US" altLang="ko-KR" sz="1000" dirty="0"/>
+                        <a:rPr lang="en-US" altLang="ko-KR" sz="600" dirty="0"/>
                         <a:t>, </a:t>
                       </a:r>
                       <a:r>
-                        <a:rPr lang="ko-KR" altLang="en-US" sz="1000" dirty="0"/>
+                        <a:rPr lang="ko-KR" altLang="en-US" sz="600" dirty="0"/>
                         <a:t>두번째 미니배치의 경우 이전 시각의 정보를 못 받는데 학습이 가능한지</a:t>
                       </a:r>
                       <a:br>
-                        <a:rPr lang="en-US" altLang="ko-KR" sz="1000" dirty="0"/>
+                        <a:rPr lang="en-US" altLang="ko-KR" sz="600" dirty="0"/>
                       </a:br>
                       <a:r>
-                        <a:rPr lang="en-US" altLang="ko-KR" sz="1000" dirty="0"/>
+                        <a:rPr lang="en-US" altLang="ko-KR" sz="600" dirty="0"/>
                         <a:t>- RNN</a:t>
                       </a:r>
                       <a:r>
-                        <a:rPr lang="ko-KR" altLang="en-US" sz="1000" dirty="0"/>
+                        <a:rPr lang="ko-KR" altLang="en-US" sz="600" dirty="0"/>
                         <a:t>의 특성상 순차적 입력은 필수적</a:t>
                       </a:r>
                       <a:r>
-                        <a:rPr lang="en-US" altLang="ko-KR" sz="1000" dirty="0"/>
+                        <a:rPr lang="en-US" altLang="ko-KR" sz="600" dirty="0"/>
                         <a:t>. </a:t>
                       </a:r>
                       <a:r>
-                        <a:rPr lang="ko-KR" altLang="en-US" sz="1000" dirty="0"/>
+                        <a:rPr lang="ko-KR" altLang="en-US" sz="600" dirty="0"/>
                         <a:t>감안하고 미니배치를 씀</a:t>
                       </a:r>
                       <a:br>
-                        <a:rPr lang="en-US" altLang="ko-KR" sz="1000" dirty="0"/>
+                        <a:rPr lang="en-US" altLang="ko-KR" sz="600" dirty="0"/>
                       </a:br>
                       <a:br>
-                        <a:rPr lang="en-US" altLang="ko-KR" sz="1000" dirty="0"/>
+                        <a:rPr lang="en-US" altLang="ko-KR" sz="600" dirty="0"/>
                       </a:br>
                       <a:r>
-                        <a:rPr lang="ko-KR" altLang="en-US" sz="1000" dirty="0"/>
+                        <a:rPr lang="ko-KR" altLang="en-US" sz="600" dirty="0"/>
                         <a:t>통계 기반 기법과 추론 기반 기법의 차이점과 장단점이 무엇인지</a:t>
                       </a:r>
                       <a:br>
-                        <a:rPr lang="en-US" altLang="ko-KR" sz="1000" dirty="0"/>
+                        <a:rPr lang="en-US" altLang="ko-KR" sz="600" dirty="0"/>
                       </a:br>
                       <a:r>
-                        <a:rPr lang="en-US" altLang="ko-KR" sz="1000" dirty="0"/>
+                        <a:rPr lang="en-US" altLang="ko-KR" sz="600" dirty="0"/>
                         <a:t>- </a:t>
                       </a:r>
                       <a:r>
-                        <a:rPr lang="ko-KR" altLang="en-US" sz="1000" dirty="0"/>
+                        <a:rPr lang="ko-KR" altLang="en-US" sz="600" dirty="0"/>
                         <a:t>추론 기반 기법이 학습 방면에서 효율적</a:t>
                       </a:r>
                       <a:r>
-                        <a:rPr lang="en-US" altLang="ko-KR" sz="1000" dirty="0"/>
+                        <a:rPr lang="en-US" altLang="ko-KR" sz="600" dirty="0"/>
                         <a:t>, </a:t>
                       </a:r>
                       <a:r>
-                        <a:rPr lang="ko-KR" altLang="en-US" sz="1000" dirty="0"/>
+                        <a:rPr lang="ko-KR" altLang="en-US" sz="600" dirty="0"/>
                         <a:t>미니배치 처리 여부의 차이점 존재</a:t>
                       </a:r>
                       <a:br>
-                        <a:rPr lang="en-US" altLang="ko-KR" sz="1000" dirty="0"/>
+                        <a:rPr lang="en-US" altLang="ko-KR" sz="600" dirty="0"/>
                       </a:br>
                       <a:br>
-                        <a:rPr lang="en-US" altLang="ko-KR" sz="1000" dirty="0"/>
+                        <a:rPr lang="en-US" altLang="ko-KR" sz="600" dirty="0"/>
                       </a:br>
                       <a:r>
-                        <a:rPr lang="en-US" altLang="ko-KR" sz="1000" dirty="0"/>
+                        <a:rPr lang="en-US" altLang="ko-KR" sz="600" dirty="0"/>
                         <a:t>word2vec</a:t>
                       </a:r>
                       <a:r>
-                        <a:rPr lang="ko-KR" altLang="en-US" sz="1000" dirty="0"/>
-                        <a:t>에서 윈도우 </a:t>
+                        <a:rPr lang="ko-KR" altLang="en-US" sz="600" dirty="0"/>
+                        <a:t>에서 윈도우 사이즈를 크게 하면 안되는지</a:t>
+                      </a:r>
+                      <a:br>
+                        <a:rPr lang="en-US" altLang="ko-KR" sz="600" dirty="0"/>
+                      </a:br>
+                      <a:r>
+                        <a:rPr lang="en-US" altLang="ko-KR" sz="600" dirty="0"/>
+                        <a:t>- </a:t>
                       </a:r>
                       <a:r>
-                        <a:rPr lang="ko-KR" altLang="en-US" sz="1000"/>
-                        <a:t>사이즈를 크게 </a:t>
+                        <a:rPr lang="ko-KR" altLang="en-US" sz="600" dirty="0"/>
+                        <a:t>맥락에서 중요하지 않은 단어들까지 모두 고려하기 때문에 의미적 관계가 </a:t>
                       </a:r>
                       <a:r>
-                        <a:rPr lang="ko-KR" altLang="en-US" sz="1000" dirty="0"/>
-                        <a:t>하면 안되는지</a:t>
+                        <a:rPr lang="ko-KR" altLang="en-US" sz="600" dirty="0" err="1"/>
+                        <a:t>약해짐</a:t>
                       </a:r>
                       <a:br>
-                        <a:rPr lang="en-US" altLang="ko-KR" sz="1000" dirty="0"/>
+                        <a:rPr lang="en-US" altLang="ko-KR" sz="600" dirty="0"/>
+                      </a:br>
+                      <a:br>
+                        <a:rPr lang="en-US" altLang="ko-KR" sz="600" dirty="0"/>
                       </a:br>
                       <a:r>
-                        <a:rPr lang="en-US" altLang="ko-KR" sz="1000" dirty="0"/>
-                        <a:t>- </a:t>
-                      </a:r>
-                      <a:br>
-                        <a:rPr lang="en-US" altLang="ko-KR" sz="1000" dirty="0"/>
-                      </a:br>
-                      <a:br>
-                        <a:rPr lang="en-US" altLang="ko-KR" sz="1000" dirty="0"/>
-                      </a:br>
-                      <a:r>
-                        <a:rPr lang="ko-KR" altLang="en-US" sz="1000" dirty="0"/>
-                        <a:t>발표 흐름을 만들기</a:t>
+                        <a:rPr lang="ko-KR" altLang="en-US" sz="600" dirty="0"/>
+                        <a:t>발표 흐름을 만들 것</a:t>
                       </a:r>
                     </a:p>
                   </a:txBody>
@@ -23771,8 +23928,8 @@
         </p:nvSpPr>
         <p:spPr>
           <a:xfrm>
-            <a:off x="5717588" y="2564255"/>
-            <a:ext cx="2550111" cy="276999"/>
+            <a:off x="5717588" y="2390833"/>
+            <a:ext cx="2550111" cy="646331"/>
           </a:xfrm>
           <a:prstGeom prst="rect">
             <a:avLst/>
@@ -23791,11 +23948,16 @@
           <a:lstStyle/>
           <a:p>
             <a:r>
-              <a:rPr lang="ko-KR" altLang="en-US" sz="1200" dirty="0">
-                <a:latin typeface="+mj-lt"/>
-              </a:rPr>
-              <a:t>정확하게 일치하지 않으므로 오답</a:t>
-            </a:r>
+              <a:rPr lang="en-US" altLang="ko-KR" sz="1200" dirty="0"/>
+              <a:t>BLEU, ROUGE </a:t>
+            </a:r>
+            <a:r>
+              <a:rPr lang="ko-KR" altLang="en-US" sz="1200" dirty="0"/>
+              <a:t>등의 기존 평가 지표는 단어 일치 기반이므로 이 문장을 정답으로 평가하지 못함</a:t>
+            </a:r>
+            <a:endParaRPr lang="ko-KR" altLang="en-US" sz="1200" dirty="0">
+              <a:latin typeface="+mj-lt"/>
+            </a:endParaRPr>
           </a:p>
         </p:txBody>
       </p:sp>
@@ -23813,7 +23975,7 @@
         </p:nvSpPr>
         <p:spPr>
           <a:xfrm>
-            <a:off x="5656242" y="2363424"/>
+            <a:off x="5656242" y="2190002"/>
             <a:ext cx="1382702" cy="215444"/>
           </a:xfrm>
           <a:prstGeom prst="rect">
@@ -23912,7 +24074,7 @@
             <a:avLst/>
           </a:prstGeom>
           <a:noFill/>
-          <a:ln>
+          <a:ln w="12700">
             <a:solidFill>
               <a:schemeClr val="tx1"/>
             </a:solidFill>

--- a/study/발표자료/(이승건)250220_밑딥2_chap2-5.pptx
+++ b/study/발표자료/(이승건)250220_밑딥2_chap2-5.pptx
@@ -48,7 +48,7 @@
       <p:regular r:id="rId34"/>
     </p:embeddedFont>
     <p:embeddedFont>
-      <p:font typeface="DM Sans" panose="020B0600000101010101" charset="0"/>
+      <p:font typeface="DM Sans" pitchFamily="2" charset="0"/>
       <p:regular r:id="rId35"/>
       <p:bold r:id="rId36"/>
       <p:italic r:id="rId37"/>
@@ -62,25 +62,18 @@
       <p:boldItalic r:id="rId42"/>
     </p:embeddedFont>
     <p:embeddedFont>
-      <p:font typeface="Playfair Display" panose="00000500000000000000" pitchFamily="2" charset="0"/>
+      <p:font typeface="Playfair Display Medium" panose="020B0600000101010101" charset="0"/>
       <p:regular r:id="rId43"/>
       <p:bold r:id="rId44"/>
       <p:italic r:id="rId45"/>
       <p:boldItalic r:id="rId46"/>
     </p:embeddedFont>
     <p:embeddedFont>
-      <p:font typeface="Playfair Display Medium" panose="020B0600000101010101" charset="0"/>
+      <p:font typeface="Raleway" pitchFamily="2" charset="0"/>
       <p:regular r:id="rId47"/>
       <p:bold r:id="rId48"/>
       <p:italic r:id="rId49"/>
       <p:boldItalic r:id="rId50"/>
-    </p:embeddedFont>
-    <p:embeddedFont>
-      <p:font typeface="Raleway" pitchFamily="2" charset="0"/>
-      <p:regular r:id="rId51"/>
-      <p:bold r:id="rId52"/>
-      <p:italic r:id="rId53"/>
-      <p:boldItalic r:id="rId54"/>
     </p:embeddedFont>
   </p:embeddedFontLst>
   <p:defaultTextStyle>
@@ -10435,8 +10428,8 @@
         </p:nvSpPr>
         <p:spPr>
           <a:xfrm>
-            <a:off x="8705013" y="4761580"/>
-            <a:ext cx="383438" cy="307777"/>
+            <a:off x="8705012" y="4761580"/>
+            <a:ext cx="438987" cy="307777"/>
           </a:xfrm>
           <a:prstGeom prst="rect">
             <a:avLst/>
@@ -10444,7 +10437,7 @@
           <a:noFill/>
         </p:spPr>
         <p:txBody>
-          <a:bodyPr wrap="none" rtlCol="0">
+          <a:bodyPr wrap="square" rtlCol="0">
             <a:spAutoFit/>
           </a:bodyPr>
           <a:lstStyle/>
@@ -11556,8 +11549,8 @@
         </p:nvSpPr>
         <p:spPr>
           <a:xfrm>
-            <a:off x="8705013" y="4761580"/>
-            <a:ext cx="383438" cy="307777"/>
+            <a:off x="8705012" y="4761580"/>
+            <a:ext cx="438987" cy="307777"/>
           </a:xfrm>
           <a:prstGeom prst="rect">
             <a:avLst/>
@@ -11565,7 +11558,7 @@
           <a:noFill/>
         </p:spPr>
         <p:txBody>
-          <a:bodyPr wrap="none" rtlCol="0">
+          <a:bodyPr wrap="square" rtlCol="0">
             <a:spAutoFit/>
           </a:bodyPr>
           <a:lstStyle/>
@@ -11938,8 +11931,8 @@
         </p:nvSpPr>
         <p:spPr>
           <a:xfrm>
-            <a:off x="8705013" y="4761580"/>
-            <a:ext cx="383438" cy="307777"/>
+            <a:off x="8705012" y="4761580"/>
+            <a:ext cx="438987" cy="307777"/>
           </a:xfrm>
           <a:prstGeom prst="rect">
             <a:avLst/>
@@ -11947,7 +11940,7 @@
           <a:noFill/>
         </p:spPr>
         <p:txBody>
-          <a:bodyPr wrap="none" rtlCol="0">
+          <a:bodyPr wrap="square" rtlCol="0">
             <a:spAutoFit/>
           </a:bodyPr>
           <a:lstStyle/>
@@ -12350,8 +12343,8 @@
         </p:nvSpPr>
         <p:spPr>
           <a:xfrm>
-            <a:off x="8705013" y="4761580"/>
-            <a:ext cx="383438" cy="307777"/>
+            <a:off x="8705012" y="4761580"/>
+            <a:ext cx="438987" cy="307777"/>
           </a:xfrm>
           <a:prstGeom prst="rect">
             <a:avLst/>
@@ -12359,7 +12352,7 @@
           <a:noFill/>
         </p:spPr>
         <p:txBody>
-          <a:bodyPr wrap="none" rtlCol="0">
+          <a:bodyPr wrap="square" rtlCol="0">
             <a:spAutoFit/>
           </a:bodyPr>
           <a:lstStyle/>
@@ -12799,8 +12792,8 @@
         </p:nvSpPr>
         <p:spPr>
           <a:xfrm>
-            <a:off x="8705013" y="4761580"/>
-            <a:ext cx="383438" cy="307777"/>
+            <a:off x="8705012" y="4761580"/>
+            <a:ext cx="438987" cy="307777"/>
           </a:xfrm>
           <a:prstGeom prst="rect">
             <a:avLst/>
@@ -12808,7 +12801,7 @@
           <a:noFill/>
         </p:spPr>
         <p:txBody>
-          <a:bodyPr wrap="none" rtlCol="0">
+          <a:bodyPr wrap="square" rtlCol="0">
             <a:spAutoFit/>
           </a:bodyPr>
           <a:lstStyle/>
@@ -13298,8 +13291,8 @@
         </p:nvSpPr>
         <p:spPr>
           <a:xfrm>
-            <a:off x="8705013" y="4761580"/>
-            <a:ext cx="383438" cy="307777"/>
+            <a:off x="8705012" y="4761580"/>
+            <a:ext cx="438987" cy="307777"/>
           </a:xfrm>
           <a:prstGeom prst="rect">
             <a:avLst/>
@@ -13307,7 +13300,7 @@
           <a:noFill/>
         </p:spPr>
         <p:txBody>
-          <a:bodyPr wrap="none" rtlCol="0">
+          <a:bodyPr wrap="square" rtlCol="0">
             <a:spAutoFit/>
           </a:bodyPr>
           <a:lstStyle/>
@@ -14110,8 +14103,8 @@
         </p:nvSpPr>
         <p:spPr>
           <a:xfrm>
-            <a:off x="8705013" y="4761580"/>
-            <a:ext cx="383438" cy="307777"/>
+            <a:off x="8705012" y="4761580"/>
+            <a:ext cx="438987" cy="307777"/>
           </a:xfrm>
           <a:prstGeom prst="rect">
             <a:avLst/>
@@ -14119,7 +14112,7 @@
           <a:noFill/>
         </p:spPr>
         <p:txBody>
-          <a:bodyPr wrap="none" rtlCol="0">
+          <a:bodyPr wrap="square" rtlCol="0">
             <a:spAutoFit/>
           </a:bodyPr>
           <a:lstStyle/>
@@ -14373,8 +14366,8 @@
         </p:nvSpPr>
         <p:spPr>
           <a:xfrm>
-            <a:off x="8705013" y="4761580"/>
-            <a:ext cx="383438" cy="307777"/>
+            <a:off x="8705012" y="4761580"/>
+            <a:ext cx="438987" cy="307777"/>
           </a:xfrm>
           <a:prstGeom prst="rect">
             <a:avLst/>
@@ -14382,7 +14375,7 @@
           <a:noFill/>
         </p:spPr>
         <p:txBody>
-          <a:bodyPr wrap="none" rtlCol="0">
+          <a:bodyPr wrap="square" rtlCol="0">
             <a:spAutoFit/>
           </a:bodyPr>
           <a:lstStyle/>
@@ -15257,8 +15250,8 @@
         </p:nvSpPr>
         <p:spPr>
           <a:xfrm>
-            <a:off x="8705013" y="4761580"/>
-            <a:ext cx="383438" cy="307777"/>
+            <a:off x="8705012" y="4761580"/>
+            <a:ext cx="438987" cy="307777"/>
           </a:xfrm>
           <a:prstGeom prst="rect">
             <a:avLst/>
@@ -15266,7 +15259,7 @@
           <a:noFill/>
         </p:spPr>
         <p:txBody>
-          <a:bodyPr wrap="none" rtlCol="0">
+          <a:bodyPr wrap="square" rtlCol="0">
             <a:spAutoFit/>
           </a:bodyPr>
           <a:lstStyle/>
@@ -16075,8 +16068,8 @@
         </p:nvSpPr>
         <p:spPr>
           <a:xfrm>
-            <a:off x="8705013" y="4761580"/>
-            <a:ext cx="383438" cy="307777"/>
+            <a:off x="8705012" y="4761580"/>
+            <a:ext cx="438987" cy="307777"/>
           </a:xfrm>
           <a:prstGeom prst="rect">
             <a:avLst/>
@@ -16084,7 +16077,7 @@
           <a:noFill/>
         </p:spPr>
         <p:txBody>
-          <a:bodyPr wrap="none" rtlCol="0">
+          <a:bodyPr wrap="square" rtlCol="0">
             <a:spAutoFit/>
           </a:bodyPr>
           <a:lstStyle/>
@@ -16930,8 +16923,8 @@
         </p:nvSpPr>
         <p:spPr>
           <a:xfrm>
-            <a:off x="8705013" y="4761580"/>
-            <a:ext cx="383438" cy="307777"/>
+            <a:off x="8705012" y="4761580"/>
+            <a:ext cx="438987" cy="307777"/>
           </a:xfrm>
           <a:prstGeom prst="rect">
             <a:avLst/>
@@ -16939,7 +16932,7 @@
           <a:noFill/>
         </p:spPr>
         <p:txBody>
-          <a:bodyPr wrap="none" rtlCol="0">
+          <a:bodyPr wrap="square" rtlCol="0">
             <a:spAutoFit/>
           </a:bodyPr>
           <a:lstStyle/>
@@ -17659,7 +17652,7 @@
         <p:spPr>
           <a:xfrm>
             <a:off x="8705012" y="4761580"/>
-            <a:ext cx="515187" cy="307777"/>
+            <a:ext cx="438987" cy="307777"/>
           </a:xfrm>
           <a:prstGeom prst="rect">
             <a:avLst/>
@@ -17972,8 +17965,8 @@
         </p:nvSpPr>
         <p:spPr>
           <a:xfrm>
-            <a:off x="8705013" y="4761580"/>
-            <a:ext cx="383438" cy="307777"/>
+            <a:off x="8705012" y="4761580"/>
+            <a:ext cx="438987" cy="307777"/>
           </a:xfrm>
           <a:prstGeom prst="rect">
             <a:avLst/>
@@ -17981,7 +17974,7 @@
           <a:noFill/>
         </p:spPr>
         <p:txBody>
-          <a:bodyPr wrap="none" rtlCol="0">
+          <a:bodyPr wrap="square" rtlCol="0">
             <a:spAutoFit/>
           </a:bodyPr>
           <a:lstStyle/>
@@ -18490,8 +18483,8 @@
         </p:nvSpPr>
         <p:spPr>
           <a:xfrm>
-            <a:off x="8705013" y="4761580"/>
-            <a:ext cx="383438" cy="307777"/>
+            <a:off x="8705012" y="4761580"/>
+            <a:ext cx="438987" cy="307777"/>
           </a:xfrm>
           <a:prstGeom prst="rect">
             <a:avLst/>
@@ -18499,7 +18492,7 @@
           <a:noFill/>
         </p:spPr>
         <p:txBody>
-          <a:bodyPr wrap="none" rtlCol="0">
+          <a:bodyPr wrap="square" rtlCol="0">
             <a:spAutoFit/>
           </a:bodyPr>
           <a:lstStyle/>
@@ -19092,8 +19085,8 @@
         </p:nvSpPr>
         <p:spPr>
           <a:xfrm>
-            <a:off x="8705013" y="4761580"/>
-            <a:ext cx="383438" cy="307777"/>
+            <a:off x="8705012" y="4761580"/>
+            <a:ext cx="438987" cy="307777"/>
           </a:xfrm>
           <a:prstGeom prst="rect">
             <a:avLst/>
@@ -19101,7 +19094,7 @@
           <a:noFill/>
         </p:spPr>
         <p:txBody>
-          <a:bodyPr wrap="none" rtlCol="0">
+          <a:bodyPr wrap="square" rtlCol="0">
             <a:spAutoFit/>
           </a:bodyPr>
           <a:lstStyle/>
@@ -19583,8 +19576,8 @@
         </p:nvSpPr>
         <p:spPr>
           <a:xfrm>
-            <a:off x="8705013" y="4761580"/>
-            <a:ext cx="383438" cy="307777"/>
+            <a:off x="8705012" y="4761580"/>
+            <a:ext cx="438987" cy="307777"/>
           </a:xfrm>
           <a:prstGeom prst="rect">
             <a:avLst/>
@@ -19592,7 +19585,7 @@
           <a:noFill/>
         </p:spPr>
         <p:txBody>
-          <a:bodyPr wrap="none" rtlCol="0">
+          <a:bodyPr wrap="square" rtlCol="0">
             <a:spAutoFit/>
           </a:bodyPr>
           <a:lstStyle/>
@@ -19907,8 +19900,8 @@
         </p:nvSpPr>
         <p:spPr>
           <a:xfrm>
-            <a:off x="8705013" y="4761580"/>
-            <a:ext cx="383438" cy="307777"/>
+            <a:off x="8705012" y="4761580"/>
+            <a:ext cx="438987" cy="307777"/>
           </a:xfrm>
           <a:prstGeom prst="rect">
             <a:avLst/>
@@ -19916,7 +19909,7 @@
           <a:noFill/>
         </p:spPr>
         <p:txBody>
-          <a:bodyPr wrap="none" rtlCol="0">
+          <a:bodyPr wrap="square" rtlCol="0">
             <a:spAutoFit/>
           </a:bodyPr>
           <a:lstStyle/>
@@ -20353,8 +20346,8 @@
         </p:nvSpPr>
         <p:spPr>
           <a:xfrm>
-            <a:off x="8705013" y="4761580"/>
-            <a:ext cx="383438" cy="307777"/>
+            <a:off x="8705012" y="4761580"/>
+            <a:ext cx="438987" cy="307777"/>
           </a:xfrm>
           <a:prstGeom prst="rect">
             <a:avLst/>
@@ -20362,7 +20355,7 @@
           <a:noFill/>
         </p:spPr>
         <p:txBody>
-          <a:bodyPr wrap="none" rtlCol="0">
+          <a:bodyPr wrap="square" rtlCol="0">
             <a:spAutoFit/>
           </a:bodyPr>
           <a:lstStyle/>
@@ -20906,8 +20899,8 @@
         </p:nvSpPr>
         <p:spPr>
           <a:xfrm>
-            <a:off x="8705013" y="4761580"/>
-            <a:ext cx="383438" cy="307777"/>
+            <a:off x="8705012" y="4761580"/>
+            <a:ext cx="438987" cy="307777"/>
           </a:xfrm>
           <a:prstGeom prst="rect">
             <a:avLst/>
@@ -20915,7 +20908,7 @@
           <a:noFill/>
         </p:spPr>
         <p:txBody>
-          <a:bodyPr wrap="none" rtlCol="0">
+          <a:bodyPr wrap="square" rtlCol="0">
             <a:spAutoFit/>
           </a:bodyPr>
           <a:lstStyle/>
@@ -21719,8 +21712,8 @@
         </p:nvSpPr>
         <p:spPr>
           <a:xfrm>
-            <a:off x="8705013" y="4761580"/>
-            <a:ext cx="383438" cy="307777"/>
+            <a:off x="8705012" y="4761580"/>
+            <a:ext cx="438987" cy="307777"/>
           </a:xfrm>
           <a:prstGeom prst="rect">
             <a:avLst/>
@@ -21728,7 +21721,7 @@
           <a:noFill/>
         </p:spPr>
         <p:txBody>
-          <a:bodyPr wrap="none" rtlCol="0">
+          <a:bodyPr wrap="square" rtlCol="0">
             <a:spAutoFit/>
           </a:bodyPr>
           <a:lstStyle/>
@@ -22548,8 +22541,8 @@
         </p:nvSpPr>
         <p:spPr>
           <a:xfrm>
-            <a:off x="8705013" y="4761580"/>
-            <a:ext cx="383438" cy="307777"/>
+            <a:off x="8705012" y="4761580"/>
+            <a:ext cx="438987" cy="307777"/>
           </a:xfrm>
           <a:prstGeom prst="rect">
             <a:avLst/>
@@ -22557,7 +22550,7 @@
           <a:noFill/>
         </p:spPr>
         <p:txBody>
-          <a:bodyPr wrap="none" rtlCol="0">
+          <a:bodyPr wrap="square" rtlCol="0">
             <a:spAutoFit/>
           </a:bodyPr>
           <a:lstStyle/>
@@ -23386,8 +23379,8 @@
         </p:nvSpPr>
         <p:spPr>
           <a:xfrm>
-            <a:off x="8705013" y="4761580"/>
-            <a:ext cx="383438" cy="307777"/>
+            <a:off x="8705012" y="4761580"/>
+            <a:ext cx="438987" cy="307777"/>
           </a:xfrm>
           <a:prstGeom prst="rect">
             <a:avLst/>
@@ -23395,7 +23388,7 @@
           <a:noFill/>
         </p:spPr>
         <p:txBody>
-          <a:bodyPr wrap="none" rtlCol="0">
+          <a:bodyPr wrap="square" rtlCol="0">
             <a:spAutoFit/>
           </a:bodyPr>
           <a:lstStyle/>
@@ -23509,8 +23502,8 @@
         </p:nvSpPr>
         <p:spPr>
           <a:xfrm>
-            <a:off x="714593" y="718814"/>
-            <a:ext cx="6316731" cy="317587"/>
+            <a:off x="1868148" y="526671"/>
+            <a:ext cx="2521095" cy="317587"/>
           </a:xfrm>
           <a:prstGeom prst="rect">
             <a:avLst/>
@@ -23518,7 +23511,7 @@
           <a:noFill/>
         </p:spPr>
         <p:txBody>
-          <a:bodyPr wrap="square" rtlCol="0">
+          <a:bodyPr wrap="square" rtlCol="0" anchor="ctr" anchorCtr="0">
             <a:spAutoFit/>
           </a:bodyPr>
           <a:lstStyle/>
@@ -23568,7 +23561,7 @@
         </p:nvSpPr>
         <p:spPr>
           <a:xfrm>
-            <a:off x="830178" y="1088629"/>
+            <a:off x="784458" y="1006888"/>
             <a:ext cx="6075947" cy="600164"/>
           </a:xfrm>
           <a:prstGeom prst="rect">
@@ -28462,7 +28455,7 @@
         <p:spPr>
           <a:xfrm>
             <a:off x="8705013" y="4761580"/>
-            <a:ext cx="284052" cy="307777"/>
+            <a:ext cx="438986" cy="307777"/>
           </a:xfrm>
           <a:prstGeom prst="rect">
             <a:avLst/>
@@ -28470,7 +28463,7 @@
           <a:noFill/>
         </p:spPr>
         <p:txBody>
-          <a:bodyPr wrap="none" rtlCol="0">
+          <a:bodyPr wrap="square" rtlCol="0">
             <a:spAutoFit/>
           </a:bodyPr>
           <a:lstStyle/>
